--- a/Week-6-Regresion/IS6400 Week 6.pptx
+++ b/Week-6-Regresion/IS6400 Week 6.pptx
@@ -5,10 +5,10 @@
     <p:sldMasterId id="2147483672" r:id="rId1"/>
   </p:sldMasterIdLst>
   <p:notesMasterIdLst>
-    <p:notesMasterId r:id="rId53"/>
+    <p:notesMasterId r:id="rId54"/>
   </p:notesMasterIdLst>
   <p:handoutMasterIdLst>
-    <p:handoutMasterId r:id="rId54"/>
+    <p:handoutMasterId r:id="rId55"/>
   </p:handoutMasterIdLst>
   <p:sldIdLst>
     <p:sldId id="300" r:id="rId2"/>
@@ -54,14 +54,15 @@
     <p:sldId id="489" r:id="rId42"/>
     <p:sldId id="490" r:id="rId43"/>
     <p:sldId id="491" r:id="rId44"/>
-    <p:sldId id="492" r:id="rId45"/>
-    <p:sldId id="493" r:id="rId46"/>
-    <p:sldId id="494" r:id="rId47"/>
-    <p:sldId id="495" r:id="rId48"/>
-    <p:sldId id="496" r:id="rId49"/>
-    <p:sldId id="497" r:id="rId50"/>
-    <p:sldId id="450" r:id="rId51"/>
-    <p:sldId id="317" r:id="rId52"/>
+    <p:sldId id="501" r:id="rId45"/>
+    <p:sldId id="492" r:id="rId46"/>
+    <p:sldId id="493" r:id="rId47"/>
+    <p:sldId id="494" r:id="rId48"/>
+    <p:sldId id="495" r:id="rId49"/>
+    <p:sldId id="496" r:id="rId50"/>
+    <p:sldId id="497" r:id="rId51"/>
+    <p:sldId id="450" r:id="rId52"/>
+    <p:sldId id="317" r:id="rId53"/>
   </p:sldIdLst>
   <p:sldSz cx="9144000" cy="6858000" type="screen4x3"/>
   <p:notesSz cx="6797675" cy="9926638"/>
@@ -338,7 +339,7 @@
               <a:pPr>
                 <a:defRPr/>
               </a:pPr>
-              <a:t>2022/3/1</a:t>
+              <a:t>2022/3/2</a:t>
             </a:fld>
             <a:endParaRPr lang="zh-TW" altLang="en-US"/>
           </a:p>
@@ -579,7 +580,7 @@
               <a:pPr>
                 <a:defRPr/>
               </a:pPr>
-              <a:t>3/1/22</a:t>
+              <a:t>3/2/22</a:t>
             </a:fld>
             <a:endParaRPr lang="en-US" dirty="0"/>
           </a:p>
@@ -1656,7 +1657,7 @@
                   <a:spcPct val="0"/>
                 </a:spcBef>
               </a:pPr>
-              <a:t>51</a:t>
+              <a:t>52</a:t>
             </a:fld>
             <a:endParaRPr lang="en-US" altLang="en-US"/>
           </a:p>
@@ -3908,7 +3909,7 @@
           <a:blip r:embed="rId2">
             <a:extLst>
               <a:ext uri="{28A0092B-C50C-407E-A947-70E740481C1C}">
-                <a14:useLocalDpi xmlns:a14="http://schemas.microsoft.com/office/drawing/2010/main" val="0"/>
+                <a14:useLocalDpi xmlns:a14="http://schemas.microsoft.com/office/drawing/2010/main"/>
               </a:ext>
               <a:ext uri="{96DAC541-7B7A-43D3-8B79-37D633B846F1}">
                 <asvg:svgBlip xmlns:asvg="http://schemas.microsoft.com/office/drawing/2016/SVG/main" r:embed="rId3"/>
@@ -7556,7 +7557,13 @@
           <p:nvPr/>
         </p:nvPicPr>
         <p:blipFill>
-          <a:blip r:embed="rId3"/>
+          <a:blip r:embed="rId3" cstate="screen">
+            <a:extLst>
+              <a:ext uri="{28A0092B-C50C-407E-A947-70E740481C1C}">
+                <a14:useLocalDpi xmlns:a14="http://schemas.microsoft.com/office/drawing/2010/main"/>
+              </a:ext>
+            </a:extLst>
+          </a:blip>
           <a:stretch>
             <a:fillRect/>
           </a:stretch>
@@ -7684,8 +7691,14 @@
           <p:nvPr/>
         </p:nvPicPr>
         <p:blipFill rotWithShape="1">
-          <a:blip r:embed="rId3"/>
-          <a:srcRect t="3854"/>
+          <a:blip r:embed="rId3" cstate="screen">
+            <a:extLst>
+              <a:ext uri="{28A0092B-C50C-407E-A947-70E740481C1C}">
+                <a14:useLocalDpi xmlns:a14="http://schemas.microsoft.com/office/drawing/2010/main"/>
+              </a:ext>
+            </a:extLst>
+          </a:blip>
+          <a:srcRect/>
           <a:stretch/>
         </p:blipFill>
         <p:spPr bwMode="auto">
@@ -8400,7 +8413,13 @@
           </p:nvPr>
         </p:nvPicPr>
         <p:blipFill>
-          <a:blip r:embed="rId3"/>
+          <a:blip r:embed="rId3" cstate="screen">
+            <a:extLst>
+              <a:ext uri="{28A0092B-C50C-407E-A947-70E740481C1C}">
+                <a14:useLocalDpi xmlns:a14="http://schemas.microsoft.com/office/drawing/2010/main"/>
+              </a:ext>
+            </a:extLst>
+          </a:blip>
           <a:stretch>
             <a:fillRect/>
           </a:stretch>
@@ -8632,8 +8651,14 @@
           </p:nvPr>
         </p:nvPicPr>
         <p:blipFill rotWithShape="1">
-          <a:blip r:embed="rId2"/>
-          <a:srcRect t="3854"/>
+          <a:blip r:embed="rId2" cstate="screen">
+            <a:extLst>
+              <a:ext uri="{28A0092B-C50C-407E-A947-70E740481C1C}">
+                <a14:useLocalDpi xmlns:a14="http://schemas.microsoft.com/office/drawing/2010/main"/>
+              </a:ext>
+            </a:extLst>
+          </a:blip>
+          <a:srcRect/>
           <a:stretch/>
         </p:blipFill>
         <p:spPr bwMode="auto">
@@ -9065,8 +9090,14 @@
           </p:nvPr>
         </p:nvPicPr>
         <p:blipFill rotWithShape="1">
-          <a:blip r:embed="rId2"/>
-          <a:srcRect t="3854"/>
+          <a:blip r:embed="rId2" cstate="screen">
+            <a:extLst>
+              <a:ext uri="{28A0092B-C50C-407E-A947-70E740481C1C}">
+                <a14:useLocalDpi xmlns:a14="http://schemas.microsoft.com/office/drawing/2010/main"/>
+              </a:ext>
+            </a:extLst>
+          </a:blip>
+          <a:srcRect/>
           <a:stretch/>
         </p:blipFill>
         <p:spPr bwMode="auto">
@@ -9593,7 +9624,13 @@
           </p:nvPr>
         </p:nvPicPr>
         <p:blipFill>
-          <a:blip r:embed="rId2"/>
+          <a:blip r:embed="rId2" cstate="screen">
+            <a:extLst>
+              <a:ext uri="{28A0092B-C50C-407E-A947-70E740481C1C}">
+                <a14:useLocalDpi xmlns:a14="http://schemas.microsoft.com/office/drawing/2010/main"/>
+              </a:ext>
+            </a:extLst>
+          </a:blip>
           <a:stretch>
             <a:fillRect/>
           </a:stretch>
@@ -9683,8 +9720,14 @@
           </p:nvPr>
         </p:nvPicPr>
         <p:blipFill rotWithShape="1">
-          <a:blip r:embed="rId2"/>
-          <a:srcRect t="3854"/>
+          <a:blip r:embed="rId2" cstate="screen">
+            <a:extLst>
+              <a:ext uri="{28A0092B-C50C-407E-A947-70E740481C1C}">
+                <a14:useLocalDpi xmlns:a14="http://schemas.microsoft.com/office/drawing/2010/main"/>
+              </a:ext>
+            </a:extLst>
+          </a:blip>
+          <a:srcRect/>
           <a:stretch/>
         </p:blipFill>
         <p:spPr bwMode="auto">
@@ -11489,8 +11532,14 @@
           <p:nvPr/>
         </p:nvPicPr>
         <p:blipFill rotWithShape="1">
-          <a:blip r:embed="rId5"/>
-          <a:srcRect t="8955"/>
+          <a:blip r:embed="rId5" cstate="screen">
+            <a:extLst>
+              <a:ext uri="{28A0092B-C50C-407E-A947-70E740481C1C}">
+                <a14:useLocalDpi xmlns:a14="http://schemas.microsoft.com/office/drawing/2010/main"/>
+              </a:ext>
+            </a:extLst>
+          </a:blip>
+          <a:srcRect/>
           <a:stretch/>
         </p:blipFill>
         <p:spPr>
@@ -12148,7 +12197,7 @@
             <a:blip r:embed="rId4">
               <a:extLst>
                 <a:ext uri="{28A0092B-C50C-407E-A947-70E740481C1C}">
-                  <a14:useLocalDpi xmlns:a14="http://schemas.microsoft.com/office/drawing/2010/main" val="0"/>
+                  <a14:useLocalDpi xmlns:a14="http://schemas.microsoft.com/office/drawing/2010/main"/>
                 </a:ext>
                 <a:ext uri="{96DAC541-7B7A-43D3-8B79-37D633B846F1}">
                   <asvg:svgBlip xmlns:asvg="http://schemas.microsoft.com/office/drawing/2016/SVG/main" r:embed="rId5"/>
@@ -12986,7 +13035,7 @@
             <a:blip r:embed="rId2">
               <a:extLst>
                 <a:ext uri="{28A0092B-C50C-407E-A947-70E740481C1C}">
-                  <a14:useLocalDpi xmlns:a14="http://schemas.microsoft.com/office/drawing/2010/main" val="0"/>
+                  <a14:useLocalDpi xmlns:a14="http://schemas.microsoft.com/office/drawing/2010/main"/>
                 </a:ext>
                 <a:ext uri="{96DAC541-7B7A-43D3-8B79-37D633B846F1}">
                   <asvg:svgBlip xmlns:asvg="http://schemas.microsoft.com/office/drawing/2016/SVG/main" r:embed="rId3"/>
@@ -13875,7 +13924,7 @@
           <a:blip r:embed="rId2">
             <a:extLst>
               <a:ext uri="{28A0092B-C50C-407E-A947-70E740481C1C}">
-                <a14:useLocalDpi xmlns:a14="http://schemas.microsoft.com/office/drawing/2010/main" val="0"/>
+                <a14:useLocalDpi xmlns:a14="http://schemas.microsoft.com/office/drawing/2010/main"/>
               </a:ext>
               <a:ext uri="{96DAC541-7B7A-43D3-8B79-37D633B846F1}">
                 <asvg:svgBlip xmlns:asvg="http://schemas.microsoft.com/office/drawing/2016/SVG/main" r:embed="rId3"/>
@@ -13914,7 +13963,7 @@
           <a:blip r:embed="rId4">
             <a:extLst>
               <a:ext uri="{28A0092B-C50C-407E-A947-70E740481C1C}">
-                <a14:useLocalDpi xmlns:a14="http://schemas.microsoft.com/office/drawing/2010/main" val="0"/>
+                <a14:useLocalDpi xmlns:a14="http://schemas.microsoft.com/office/drawing/2010/main"/>
               </a:ext>
               <a:ext uri="{96DAC541-7B7A-43D3-8B79-37D633B846F1}">
                 <asvg:svgBlip xmlns:asvg="http://schemas.microsoft.com/office/drawing/2016/SVG/main" r:embed="rId5"/>
@@ -15614,7 +15663,7 @@
           <a:blip r:embed="rId2">
             <a:extLst>
               <a:ext uri="{28A0092B-C50C-407E-A947-70E740481C1C}">
-                <a14:useLocalDpi xmlns:a14="http://schemas.microsoft.com/office/drawing/2010/main" val="0"/>
+                <a14:useLocalDpi xmlns:a14="http://schemas.microsoft.com/office/drawing/2010/main"/>
               </a:ext>
               <a:ext uri="{96DAC541-7B7A-43D3-8B79-37D633B846F1}">
                 <asvg:svgBlip xmlns:asvg="http://schemas.microsoft.com/office/drawing/2016/SVG/main" r:embed="rId3"/>
@@ -15653,7 +15702,7 @@
           <a:blip r:embed="rId4">
             <a:extLst>
               <a:ext uri="{28A0092B-C50C-407E-A947-70E740481C1C}">
-                <a14:useLocalDpi xmlns:a14="http://schemas.microsoft.com/office/drawing/2010/main" val="0"/>
+                <a14:useLocalDpi xmlns:a14="http://schemas.microsoft.com/office/drawing/2010/main"/>
               </a:ext>
               <a:ext uri="{96DAC541-7B7A-43D3-8B79-37D633B846F1}">
                 <asvg:svgBlip xmlns:asvg="http://schemas.microsoft.com/office/drawing/2016/SVG/main" r:embed="rId5"/>
@@ -16668,7 +16717,7 @@
           <a:blip r:embed="rId2">
             <a:extLst>
               <a:ext uri="{28A0092B-C50C-407E-A947-70E740481C1C}">
-                <a14:useLocalDpi xmlns:a14="http://schemas.microsoft.com/office/drawing/2010/main" val="0"/>
+                <a14:useLocalDpi xmlns:a14="http://schemas.microsoft.com/office/drawing/2010/main"/>
               </a:ext>
               <a:ext uri="{96DAC541-7B7A-43D3-8B79-37D633B846F1}">
                 <asvg:svgBlip xmlns:asvg="http://schemas.microsoft.com/office/drawing/2016/SVG/main" r:embed="rId3"/>
@@ -16707,7 +16756,7 @@
           <a:blip r:embed="rId4">
             <a:extLst>
               <a:ext uri="{28A0092B-C50C-407E-A947-70E740481C1C}">
-                <a14:useLocalDpi xmlns:a14="http://schemas.microsoft.com/office/drawing/2010/main" val="0"/>
+                <a14:useLocalDpi xmlns:a14="http://schemas.microsoft.com/office/drawing/2010/main"/>
               </a:ext>
               <a:ext uri="{96DAC541-7B7A-43D3-8B79-37D633B846F1}">
                 <asvg:svgBlip xmlns:asvg="http://schemas.microsoft.com/office/drawing/2016/SVG/main" r:embed="rId5"/>
@@ -17722,7 +17771,7 @@
           <a:blip r:embed="rId2">
             <a:extLst>
               <a:ext uri="{28A0092B-C50C-407E-A947-70E740481C1C}">
-                <a14:useLocalDpi xmlns:a14="http://schemas.microsoft.com/office/drawing/2010/main" val="0"/>
+                <a14:useLocalDpi xmlns:a14="http://schemas.microsoft.com/office/drawing/2010/main"/>
               </a:ext>
               <a:ext uri="{96DAC541-7B7A-43D3-8B79-37D633B846F1}">
                 <asvg:svgBlip xmlns:asvg="http://schemas.microsoft.com/office/drawing/2016/SVG/main" r:embed="rId3"/>
@@ -17761,7 +17810,7 @@
           <a:blip r:embed="rId4">
             <a:extLst>
               <a:ext uri="{28A0092B-C50C-407E-A947-70E740481C1C}">
-                <a14:useLocalDpi xmlns:a14="http://schemas.microsoft.com/office/drawing/2010/main" val="0"/>
+                <a14:useLocalDpi xmlns:a14="http://schemas.microsoft.com/office/drawing/2010/main"/>
               </a:ext>
               <a:ext uri="{96DAC541-7B7A-43D3-8B79-37D633B846F1}">
                 <asvg:svgBlip xmlns:asvg="http://schemas.microsoft.com/office/drawing/2016/SVG/main" r:embed="rId5"/>
@@ -19285,6 +19334,70 @@
           </a:fontRef>
         </p:style>
       </p:cxnSp>
+      <p:sp>
+        <p:nvSpPr>
+          <p:cNvPr id="9" name="Rounded Rectangular Callout 8">
+            <a:extLst>
+              <a:ext uri="{FF2B5EF4-FFF2-40B4-BE49-F238E27FC236}">
+                <a16:creationId xmlns:a16="http://schemas.microsoft.com/office/drawing/2014/main" id="{EB5841EB-AF3C-8147-AC13-2A8C73767BBD}"/>
+              </a:ext>
+            </a:extLst>
+          </p:cNvPr>
+          <p:cNvSpPr/>
+          <p:nvPr/>
+        </p:nvSpPr>
+        <p:spPr>
+          <a:xfrm>
+            <a:off x="6300193" y="5715000"/>
+            <a:ext cx="2843807" cy="1143000"/>
+          </a:xfrm>
+          <a:prstGeom prst="wedgeRoundRectCallout">
+            <a:avLst>
+              <a:gd name="adj1" fmla="val -34016"/>
+              <a:gd name="adj2" fmla="val -68562"/>
+              <a:gd name="adj3" fmla="val 16667"/>
+            </a:avLst>
+          </a:prstGeom>
+          <a:solidFill>
+            <a:schemeClr val="accent6">
+              <a:lumMod val="60000"/>
+              <a:lumOff val="40000"/>
+            </a:schemeClr>
+          </a:solidFill>
+          <a:ln>
+            <a:noFill/>
+          </a:ln>
+        </p:spPr>
+        <p:style>
+          <a:lnRef idx="2">
+            <a:schemeClr val="accent1">
+              <a:shade val="50000"/>
+            </a:schemeClr>
+          </a:lnRef>
+          <a:fillRef idx="1">
+            <a:schemeClr val="accent1"/>
+          </a:fillRef>
+          <a:effectRef idx="0">
+            <a:schemeClr val="accent1"/>
+          </a:effectRef>
+          <a:fontRef idx="minor">
+            <a:schemeClr val="lt1"/>
+          </a:fontRef>
+        </p:style>
+        <p:txBody>
+          <a:bodyPr rtlCol="0" anchor="ctr"/>
+          <a:lstStyle/>
+          <a:p>
+            <a:r>
+              <a:rPr lang="en-US" dirty="0">
+                <a:latin typeface="Calibri Light" panose="020F0302020204030204" pitchFamily="34" charset="0"/>
+                <a:cs typeface="Calibri Light" panose="020F0302020204030204" pitchFamily="34" charset="0"/>
+              </a:rPr>
+              <a:t>Ridge regression (i.e., linear regression with L-2 norm regularization)</a:t>
+            </a:r>
+          </a:p>
+        </p:txBody>
+      </p:sp>
     </p:spTree>
     <p:extLst>
       <p:ext uri="{BB962C8B-B14F-4D97-AF65-F5344CB8AC3E}">
@@ -19375,6 +19488,51 @@
                       </p:childTnLst>
                     </p:cTn>
                   </p:par>
+                  <p:par>
+                    <p:cTn id="9" fill="hold">
+                      <p:stCondLst>
+                        <p:cond delay="indefinite"/>
+                      </p:stCondLst>
+                      <p:childTnLst>
+                        <p:par>
+                          <p:cTn id="10" fill="hold">
+                            <p:stCondLst>
+                              <p:cond delay="0"/>
+                            </p:stCondLst>
+                            <p:childTnLst>
+                              <p:par>
+                                <p:cTn id="11" presetID="1" presetClass="entr" presetSubtype="0" fill="hold" grpId="0" nodeType="clickEffect">
+                                  <p:stCondLst>
+                                    <p:cond delay="0"/>
+                                  </p:stCondLst>
+                                  <p:childTnLst>
+                                    <p:set>
+                                      <p:cBhvr>
+                                        <p:cTn id="12" dur="1" fill="hold">
+                                          <p:stCondLst>
+                                            <p:cond delay="0"/>
+                                          </p:stCondLst>
+                                        </p:cTn>
+                                        <p:tgtEl>
+                                          <p:spTgt spid="9"/>
+                                        </p:tgtEl>
+                                        <p:attrNameLst>
+                                          <p:attrName>style.visibility</p:attrName>
+                                        </p:attrNameLst>
+                                      </p:cBhvr>
+                                      <p:to>
+                                        <p:strVal val="visible"/>
+                                      </p:to>
+                                    </p:set>
+                                  </p:childTnLst>
+                                </p:cTn>
+                              </p:par>
+                            </p:childTnLst>
+                          </p:cTn>
+                        </p:par>
+                      </p:childTnLst>
+                    </p:cTn>
+                  </p:par>
                 </p:childTnLst>
               </p:cTn>
               <p:prevCondLst>
@@ -19396,11 +19554,664 @@
         </p:cTn>
       </p:par>
     </p:tnLst>
+    <p:bldLst>
+      <p:bldP spid="9" grpId="0" animBg="1"/>
+    </p:bldLst>
   </p:timing>
 </p:sld>
 </file>
 
 <file path=ppt/slides/slide44.xml><?xml version="1.0" encoding="utf-8"?>
+<p:sld xmlns:a="http://schemas.openxmlformats.org/drawingml/2006/main" xmlns:r="http://schemas.openxmlformats.org/officeDocument/2006/relationships" xmlns:p="http://schemas.openxmlformats.org/presentationml/2006/main">
+  <p:cSld>
+    <p:spTree>
+      <p:nvGrpSpPr>
+        <p:cNvPr id="1" name=""/>
+        <p:cNvGrpSpPr/>
+        <p:nvPr/>
+      </p:nvGrpSpPr>
+      <p:grpSpPr>
+        <a:xfrm>
+          <a:off x="0" y="0"/>
+          <a:ext cx="0" cy="0"/>
+          <a:chOff x="0" y="0"/>
+          <a:chExt cx="0" cy="0"/>
+        </a:xfrm>
+      </p:grpSpPr>
+      <p:sp>
+        <p:nvSpPr>
+          <p:cNvPr id="2" name="Title 1">
+            <a:extLst>
+              <a:ext uri="{FF2B5EF4-FFF2-40B4-BE49-F238E27FC236}">
+                <a16:creationId xmlns:a16="http://schemas.microsoft.com/office/drawing/2014/main" id="{B7304DE4-B8C2-2346-90BC-CED31D615CA2}"/>
+              </a:ext>
+            </a:extLst>
+          </p:cNvPr>
+          <p:cNvSpPr>
+            <a:spLocks noGrp="1"/>
+          </p:cNvSpPr>
+          <p:nvPr>
+            <p:ph type="title"/>
+          </p:nvPr>
+        </p:nvSpPr>
+        <p:spPr/>
+        <p:txBody>
+          <a:bodyPr/>
+          <a:lstStyle/>
+          <a:p>
+            <a:r>
+              <a:rPr lang="en-US" dirty="0"/>
+              <a:t>Regularization: Lasso and Elastic Net</a:t>
+            </a:r>
+          </a:p>
+        </p:txBody>
+      </p:sp>
+      <p:pic>
+        <p:nvPicPr>
+          <p:cNvPr id="4" name="Content Placeholder 3">
+            <a:extLst>
+              <a:ext uri="{FF2B5EF4-FFF2-40B4-BE49-F238E27FC236}">
+                <a16:creationId xmlns:a16="http://schemas.microsoft.com/office/drawing/2014/main" id="{CDE91B59-D982-7945-8BAD-70ADB62C54E9}"/>
+              </a:ext>
+            </a:extLst>
+          </p:cNvPr>
+          <p:cNvPicPr>
+            <a:picLocks noGrp="1" noChangeAspect="1"/>
+          </p:cNvPicPr>
+          <p:nvPr>
+            <p:ph idx="1"/>
+          </p:nvPr>
+        </p:nvPicPr>
+        <p:blipFill rotWithShape="1">
+          <a:blip r:embed="rId2" cstate="screen">
+            <a:extLst>
+              <a:ext uri="{28A0092B-C50C-407E-A947-70E740481C1C}">
+                <a14:useLocalDpi xmlns:a14="http://schemas.microsoft.com/office/drawing/2010/main"/>
+              </a:ext>
+            </a:extLst>
+          </a:blip>
+          <a:srcRect t="-1" b="-3089"/>
+          <a:stretch/>
+        </p:blipFill>
+        <p:spPr>
+          <a:xfrm>
+            <a:off x="611560" y="2132856"/>
+            <a:ext cx="4104015" cy="576064"/>
+          </a:xfrm>
+          <a:prstGeom prst="rect">
+            <a:avLst/>
+          </a:prstGeom>
+        </p:spPr>
+      </p:pic>
+      <p:pic>
+        <p:nvPicPr>
+          <p:cNvPr id="5" name="Content Placeholder 3">
+            <a:extLst>
+              <a:ext uri="{FF2B5EF4-FFF2-40B4-BE49-F238E27FC236}">
+                <a16:creationId xmlns:a16="http://schemas.microsoft.com/office/drawing/2014/main" id="{C6738CB7-765C-F246-B27D-D97626BD9499}"/>
+              </a:ext>
+            </a:extLst>
+          </p:cNvPr>
+          <p:cNvPicPr>
+            <a:picLocks noChangeAspect="1"/>
+          </p:cNvPicPr>
+          <p:nvPr/>
+        </p:nvPicPr>
+        <p:blipFill rotWithShape="1">
+          <a:blip r:embed="rId2" cstate="screen">
+            <a:extLst>
+              <a:ext uri="{28A0092B-C50C-407E-A947-70E740481C1C}">
+                <a14:useLocalDpi xmlns:a14="http://schemas.microsoft.com/office/drawing/2010/main"/>
+              </a:ext>
+            </a:extLst>
+          </a:blip>
+          <a:srcRect t="-1" b="-3089"/>
+          <a:stretch/>
+        </p:blipFill>
+        <p:spPr bwMode="auto">
+          <a:xfrm>
+            <a:off x="638641" y="4592593"/>
+            <a:ext cx="4104456" cy="576064"/>
+          </a:xfrm>
+          <a:prstGeom prst="rect">
+            <a:avLst/>
+          </a:prstGeom>
+          <a:noFill/>
+          <a:ln>
+            <a:noFill/>
+          </a:ln>
+          <a:extLst>
+            <a:ext uri="{909E8E84-426E-40DD-AFC4-6F175D3DCCD1}">
+              <a14:hiddenFill xmlns:a14="http://schemas.microsoft.com/office/drawing/2010/main">
+                <a:solidFill>
+                  <a:srgbClr val="FFFFFF"/>
+                </a:solidFill>
+              </a14:hiddenFill>
+            </a:ext>
+            <a:ext uri="{91240B29-F687-4F45-9708-019B960494DF}">
+              <a14:hiddenLine xmlns:a14="http://schemas.microsoft.com/office/drawing/2010/main" w="9525">
+                <a:solidFill>
+                  <a:srgbClr val="000000"/>
+                </a:solidFill>
+                <a:miter lim="800000"/>
+                <a:headEnd/>
+                <a:tailEnd/>
+              </a14:hiddenLine>
+            </a:ext>
+          </a:extLst>
+        </p:spPr>
+      </p:pic>
+      <p:pic>
+        <p:nvPicPr>
+          <p:cNvPr id="6" name="Content Placeholder 3">
+            <a:extLst>
+              <a:ext uri="{FF2B5EF4-FFF2-40B4-BE49-F238E27FC236}">
+                <a16:creationId xmlns:a16="http://schemas.microsoft.com/office/drawing/2014/main" id="{4F727D28-397A-4B4B-9AA3-484B62B8C154}"/>
+              </a:ext>
+            </a:extLst>
+          </p:cNvPr>
+          <p:cNvPicPr>
+            <a:picLocks noChangeAspect="1"/>
+          </p:cNvPicPr>
+          <p:nvPr/>
+        </p:nvPicPr>
+        <p:blipFill rotWithShape="1">
+          <a:blip r:embed="rId3" cstate="screen">
+            <a:extLst>
+              <a:ext uri="{28A0092B-C50C-407E-A947-70E740481C1C}">
+                <a14:useLocalDpi xmlns:a14="http://schemas.microsoft.com/office/drawing/2010/main"/>
+              </a:ext>
+            </a:extLst>
+          </a:blip>
+          <a:srcRect t="-1" b="-3089"/>
+          <a:stretch/>
+        </p:blipFill>
+        <p:spPr bwMode="auto">
+          <a:xfrm>
+            <a:off x="4743097" y="4592593"/>
+            <a:ext cx="1008112" cy="576064"/>
+          </a:xfrm>
+          <a:prstGeom prst="rect">
+            <a:avLst/>
+          </a:prstGeom>
+          <a:noFill/>
+          <a:ln>
+            <a:noFill/>
+          </a:ln>
+          <a:extLst>
+            <a:ext uri="{909E8E84-426E-40DD-AFC4-6F175D3DCCD1}">
+              <a14:hiddenFill xmlns:a14="http://schemas.microsoft.com/office/drawing/2010/main">
+                <a:solidFill>
+                  <a:srgbClr val="FFFFFF"/>
+                </a:solidFill>
+              </a14:hiddenFill>
+            </a:ext>
+            <a:ext uri="{91240B29-F687-4F45-9708-019B960494DF}">
+              <a14:hiddenLine xmlns:a14="http://schemas.microsoft.com/office/drawing/2010/main" w="9525">
+                <a:solidFill>
+                  <a:srgbClr val="000000"/>
+                </a:solidFill>
+                <a:miter lim="800000"/>
+                <a:headEnd/>
+                <a:tailEnd/>
+              </a14:hiddenLine>
+            </a:ext>
+          </a:extLst>
+        </p:spPr>
+      </p:pic>
+      <p:sp>
+        <p:nvSpPr>
+          <p:cNvPr id="7" name="Rounded Rectangular Callout 6">
+            <a:extLst>
+              <a:ext uri="{FF2B5EF4-FFF2-40B4-BE49-F238E27FC236}">
+                <a16:creationId xmlns:a16="http://schemas.microsoft.com/office/drawing/2014/main" id="{753C0334-4979-E749-B20B-8C952E88C140}"/>
+              </a:ext>
+            </a:extLst>
+          </p:cNvPr>
+          <p:cNvSpPr/>
+          <p:nvPr/>
+        </p:nvSpPr>
+        <p:spPr>
+          <a:xfrm>
+            <a:off x="5219631" y="1849388"/>
+            <a:ext cx="2843807" cy="1143000"/>
+          </a:xfrm>
+          <a:prstGeom prst="wedgeRoundRectCallout">
+            <a:avLst>
+              <a:gd name="adj1" fmla="val -64322"/>
+              <a:gd name="adj2" fmla="val -516"/>
+              <a:gd name="adj3" fmla="val 16667"/>
+            </a:avLst>
+          </a:prstGeom>
+          <a:solidFill>
+            <a:schemeClr val="accent6">
+              <a:lumMod val="60000"/>
+              <a:lumOff val="40000"/>
+            </a:schemeClr>
+          </a:solidFill>
+          <a:ln>
+            <a:noFill/>
+          </a:ln>
+        </p:spPr>
+        <p:style>
+          <a:lnRef idx="2">
+            <a:schemeClr val="accent1">
+              <a:shade val="50000"/>
+            </a:schemeClr>
+          </a:lnRef>
+          <a:fillRef idx="1">
+            <a:schemeClr val="accent1"/>
+          </a:fillRef>
+          <a:effectRef idx="0">
+            <a:schemeClr val="accent1"/>
+          </a:effectRef>
+          <a:fontRef idx="minor">
+            <a:schemeClr val="lt1"/>
+          </a:fontRef>
+        </p:style>
+        <p:txBody>
+          <a:bodyPr rtlCol="0" anchor="ctr"/>
+          <a:lstStyle/>
+          <a:p>
+            <a:r>
+              <a:rPr lang="en-US" dirty="0">
+                <a:latin typeface="Calibri Light" panose="020F0302020204030204" pitchFamily="34" charset="0"/>
+                <a:cs typeface="Calibri Light" panose="020F0302020204030204" pitchFamily="34" charset="0"/>
+              </a:rPr>
+              <a:t>Lasso regression (i.e., linear regression with L-1 norm regularization)</a:t>
+            </a:r>
+          </a:p>
+        </p:txBody>
+      </p:sp>
+      <p:sp>
+        <p:nvSpPr>
+          <p:cNvPr id="8" name="Rounded Rectangular Callout 7">
+            <a:extLst>
+              <a:ext uri="{FF2B5EF4-FFF2-40B4-BE49-F238E27FC236}">
+                <a16:creationId xmlns:a16="http://schemas.microsoft.com/office/drawing/2014/main" id="{0AEB6BA6-33BB-2D49-9FF3-0C22DAEA7E83}"/>
+              </a:ext>
+            </a:extLst>
+          </p:cNvPr>
+          <p:cNvSpPr/>
+          <p:nvPr/>
+        </p:nvSpPr>
+        <p:spPr>
+          <a:xfrm>
+            <a:off x="5535627" y="5381491"/>
+            <a:ext cx="3456384" cy="1143000"/>
+          </a:xfrm>
+          <a:prstGeom prst="wedgeRoundRectCallout">
+            <a:avLst>
+              <a:gd name="adj1" fmla="val -61735"/>
+              <a:gd name="adj2" fmla="val -74999"/>
+              <a:gd name="adj3" fmla="val 16667"/>
+            </a:avLst>
+          </a:prstGeom>
+          <a:solidFill>
+            <a:schemeClr val="accent6">
+              <a:lumMod val="60000"/>
+              <a:lumOff val="40000"/>
+            </a:schemeClr>
+          </a:solidFill>
+          <a:ln>
+            <a:noFill/>
+          </a:ln>
+        </p:spPr>
+        <p:style>
+          <a:lnRef idx="2">
+            <a:schemeClr val="accent1">
+              <a:shade val="50000"/>
+            </a:schemeClr>
+          </a:lnRef>
+          <a:fillRef idx="1">
+            <a:schemeClr val="accent1"/>
+          </a:fillRef>
+          <a:effectRef idx="0">
+            <a:schemeClr val="accent1"/>
+          </a:effectRef>
+          <a:fontRef idx="minor">
+            <a:schemeClr val="lt1"/>
+          </a:fontRef>
+        </p:style>
+        <p:txBody>
+          <a:bodyPr rtlCol="0" anchor="ctr"/>
+          <a:lstStyle/>
+          <a:p>
+            <a:r>
+              <a:rPr lang="en-US" dirty="0">
+                <a:latin typeface="Calibri Light" panose="020F0302020204030204" pitchFamily="34" charset="0"/>
+                <a:cs typeface="Calibri Light" panose="020F0302020204030204" pitchFamily="34" charset="0"/>
+              </a:rPr>
+              <a:t>Elastic net regression (i.e., linear regression with L-1and L-2 norm regularization)</a:t>
+            </a:r>
+          </a:p>
+        </p:txBody>
+      </p:sp>
+      <p:sp>
+        <p:nvSpPr>
+          <p:cNvPr id="9" name="Explosion 1 8">
+            <a:extLst>
+              <a:ext uri="{FF2B5EF4-FFF2-40B4-BE49-F238E27FC236}">
+                <a16:creationId xmlns:a16="http://schemas.microsoft.com/office/drawing/2014/main" id="{333FB359-2597-BB4C-9131-00860FA52612}"/>
+              </a:ext>
+            </a:extLst>
+          </p:cNvPr>
+          <p:cNvSpPr/>
+          <p:nvPr/>
+        </p:nvSpPr>
+        <p:spPr>
+          <a:xfrm>
+            <a:off x="1334815" y="2444748"/>
+            <a:ext cx="2712108" cy="2147845"/>
+          </a:xfrm>
+          <a:prstGeom prst="irregularSeal1">
+            <a:avLst/>
+          </a:prstGeom>
+          <a:solidFill>
+            <a:schemeClr val="accent5">
+              <a:lumMod val="60000"/>
+              <a:lumOff val="40000"/>
+            </a:schemeClr>
+          </a:solidFill>
+          <a:ln>
+            <a:noFill/>
+          </a:ln>
+        </p:spPr>
+        <p:style>
+          <a:lnRef idx="2">
+            <a:schemeClr val="accent1">
+              <a:shade val="50000"/>
+            </a:schemeClr>
+          </a:lnRef>
+          <a:fillRef idx="1">
+            <a:schemeClr val="accent1"/>
+          </a:fillRef>
+          <a:effectRef idx="0">
+            <a:schemeClr val="accent1"/>
+          </a:effectRef>
+          <a:fontRef idx="minor">
+            <a:schemeClr val="lt1"/>
+          </a:fontRef>
+        </p:style>
+        <p:txBody>
+          <a:bodyPr rtlCol="0" anchor="ctr"/>
+          <a:lstStyle/>
+          <a:p>
+            <a:r>
+              <a:rPr lang="en-US" dirty="0">
+                <a:latin typeface="Calibri Light" panose="020F0302020204030204" pitchFamily="34" charset="0"/>
+                <a:cs typeface="Calibri Light" panose="020F0302020204030204" pitchFamily="34" charset="0"/>
+              </a:rPr>
+              <a:t>Look them up in scikit-learn!</a:t>
+            </a:r>
+          </a:p>
+        </p:txBody>
+      </p:sp>
+    </p:spTree>
+    <p:extLst>
+      <p:ext uri="{BB962C8B-B14F-4D97-AF65-F5344CB8AC3E}">
+        <p14:creationId xmlns:p14="http://schemas.microsoft.com/office/powerpoint/2010/main" val="277553306"/>
+      </p:ext>
+    </p:extLst>
+  </p:cSld>
+  <p:clrMapOvr>
+    <a:masterClrMapping/>
+  </p:clrMapOvr>
+  <p:timing>
+    <p:tnLst>
+      <p:par>
+        <p:cTn id="1" dur="indefinite" restart="never" nodeType="tmRoot">
+          <p:childTnLst>
+            <p:seq concurrent="1" nextAc="seek">
+              <p:cTn id="2" dur="indefinite" nodeType="mainSeq">
+                <p:childTnLst>
+                  <p:par>
+                    <p:cTn id="3" fill="hold">
+                      <p:stCondLst>
+                        <p:cond delay="indefinite"/>
+                      </p:stCondLst>
+                      <p:childTnLst>
+                        <p:par>
+                          <p:cTn id="4" fill="hold">
+                            <p:stCondLst>
+                              <p:cond delay="0"/>
+                            </p:stCondLst>
+                            <p:childTnLst>
+                              <p:par>
+                                <p:cTn id="5" presetID="1" presetClass="entr" presetSubtype="0" fill="hold" nodeType="clickEffect">
+                                  <p:stCondLst>
+                                    <p:cond delay="0"/>
+                                  </p:stCondLst>
+                                  <p:childTnLst>
+                                    <p:set>
+                                      <p:cBhvr>
+                                        <p:cTn id="6" dur="1" fill="hold">
+                                          <p:stCondLst>
+                                            <p:cond delay="0"/>
+                                          </p:stCondLst>
+                                        </p:cTn>
+                                        <p:tgtEl>
+                                          <p:spTgt spid="4"/>
+                                        </p:tgtEl>
+                                        <p:attrNameLst>
+                                          <p:attrName>style.visibility</p:attrName>
+                                        </p:attrNameLst>
+                                      </p:cBhvr>
+                                      <p:to>
+                                        <p:strVal val="visible"/>
+                                      </p:to>
+                                    </p:set>
+                                  </p:childTnLst>
+                                </p:cTn>
+                              </p:par>
+                              <p:par>
+                                <p:cTn id="7" presetID="1" presetClass="entr" presetSubtype="0" fill="hold" grpId="0" nodeType="withEffect">
+                                  <p:stCondLst>
+                                    <p:cond delay="0"/>
+                                  </p:stCondLst>
+                                  <p:childTnLst>
+                                    <p:set>
+                                      <p:cBhvr>
+                                        <p:cTn id="8" dur="1" fill="hold">
+                                          <p:stCondLst>
+                                            <p:cond delay="0"/>
+                                          </p:stCondLst>
+                                        </p:cTn>
+                                        <p:tgtEl>
+                                          <p:spTgt spid="7"/>
+                                        </p:tgtEl>
+                                        <p:attrNameLst>
+                                          <p:attrName>style.visibility</p:attrName>
+                                        </p:attrNameLst>
+                                      </p:cBhvr>
+                                      <p:to>
+                                        <p:strVal val="visible"/>
+                                      </p:to>
+                                    </p:set>
+                                  </p:childTnLst>
+                                </p:cTn>
+                              </p:par>
+                            </p:childTnLst>
+                          </p:cTn>
+                        </p:par>
+                      </p:childTnLst>
+                    </p:cTn>
+                  </p:par>
+                  <p:par>
+                    <p:cTn id="9" fill="hold">
+                      <p:stCondLst>
+                        <p:cond delay="indefinite"/>
+                      </p:stCondLst>
+                      <p:childTnLst>
+                        <p:par>
+                          <p:cTn id="10" fill="hold">
+                            <p:stCondLst>
+                              <p:cond delay="0"/>
+                            </p:stCondLst>
+                            <p:childTnLst>
+                              <p:par>
+                                <p:cTn id="11" presetID="1" presetClass="entr" presetSubtype="0" fill="hold" nodeType="clickEffect">
+                                  <p:stCondLst>
+                                    <p:cond delay="0"/>
+                                  </p:stCondLst>
+                                  <p:childTnLst>
+                                    <p:set>
+                                      <p:cBhvr>
+                                        <p:cTn id="12" dur="1" fill="hold">
+                                          <p:stCondLst>
+                                            <p:cond delay="0"/>
+                                          </p:stCondLst>
+                                        </p:cTn>
+                                        <p:tgtEl>
+                                          <p:spTgt spid="5"/>
+                                        </p:tgtEl>
+                                        <p:attrNameLst>
+                                          <p:attrName>style.visibility</p:attrName>
+                                        </p:attrNameLst>
+                                      </p:cBhvr>
+                                      <p:to>
+                                        <p:strVal val="visible"/>
+                                      </p:to>
+                                    </p:set>
+                                  </p:childTnLst>
+                                </p:cTn>
+                              </p:par>
+                              <p:par>
+                                <p:cTn id="13" presetID="1" presetClass="entr" presetSubtype="0" fill="hold" nodeType="withEffect">
+                                  <p:stCondLst>
+                                    <p:cond delay="0"/>
+                                  </p:stCondLst>
+                                  <p:childTnLst>
+                                    <p:set>
+                                      <p:cBhvr>
+                                        <p:cTn id="14" dur="1" fill="hold">
+                                          <p:stCondLst>
+                                            <p:cond delay="0"/>
+                                          </p:stCondLst>
+                                        </p:cTn>
+                                        <p:tgtEl>
+                                          <p:spTgt spid="6"/>
+                                        </p:tgtEl>
+                                        <p:attrNameLst>
+                                          <p:attrName>style.visibility</p:attrName>
+                                        </p:attrNameLst>
+                                      </p:cBhvr>
+                                      <p:to>
+                                        <p:strVal val="visible"/>
+                                      </p:to>
+                                    </p:set>
+                                  </p:childTnLst>
+                                </p:cTn>
+                              </p:par>
+                              <p:par>
+                                <p:cTn id="15" presetID="1" presetClass="entr" presetSubtype="0" fill="hold" grpId="0" nodeType="withEffect">
+                                  <p:stCondLst>
+                                    <p:cond delay="0"/>
+                                  </p:stCondLst>
+                                  <p:childTnLst>
+                                    <p:set>
+                                      <p:cBhvr>
+                                        <p:cTn id="16" dur="1" fill="hold">
+                                          <p:stCondLst>
+                                            <p:cond delay="0"/>
+                                          </p:stCondLst>
+                                        </p:cTn>
+                                        <p:tgtEl>
+                                          <p:spTgt spid="8"/>
+                                        </p:tgtEl>
+                                        <p:attrNameLst>
+                                          <p:attrName>style.visibility</p:attrName>
+                                        </p:attrNameLst>
+                                      </p:cBhvr>
+                                      <p:to>
+                                        <p:strVal val="visible"/>
+                                      </p:to>
+                                    </p:set>
+                                  </p:childTnLst>
+                                </p:cTn>
+                              </p:par>
+                            </p:childTnLst>
+                          </p:cTn>
+                        </p:par>
+                      </p:childTnLst>
+                    </p:cTn>
+                  </p:par>
+                  <p:par>
+                    <p:cTn id="17" fill="hold">
+                      <p:stCondLst>
+                        <p:cond delay="indefinite"/>
+                      </p:stCondLst>
+                      <p:childTnLst>
+                        <p:par>
+                          <p:cTn id="18" fill="hold">
+                            <p:stCondLst>
+                              <p:cond delay="0"/>
+                            </p:stCondLst>
+                            <p:childTnLst>
+                              <p:par>
+                                <p:cTn id="19" presetID="1" presetClass="entr" presetSubtype="0" fill="hold" grpId="0" nodeType="clickEffect">
+                                  <p:stCondLst>
+                                    <p:cond delay="0"/>
+                                  </p:stCondLst>
+                                  <p:childTnLst>
+                                    <p:set>
+                                      <p:cBhvr>
+                                        <p:cTn id="20" dur="1" fill="hold">
+                                          <p:stCondLst>
+                                            <p:cond delay="0"/>
+                                          </p:stCondLst>
+                                        </p:cTn>
+                                        <p:tgtEl>
+                                          <p:spTgt spid="9"/>
+                                        </p:tgtEl>
+                                        <p:attrNameLst>
+                                          <p:attrName>style.visibility</p:attrName>
+                                        </p:attrNameLst>
+                                      </p:cBhvr>
+                                      <p:to>
+                                        <p:strVal val="visible"/>
+                                      </p:to>
+                                    </p:set>
+                                  </p:childTnLst>
+                                </p:cTn>
+                              </p:par>
+                            </p:childTnLst>
+                          </p:cTn>
+                        </p:par>
+                      </p:childTnLst>
+                    </p:cTn>
+                  </p:par>
+                </p:childTnLst>
+              </p:cTn>
+              <p:prevCondLst>
+                <p:cond evt="onPrev" delay="0">
+                  <p:tgtEl>
+                    <p:sldTgt/>
+                  </p:tgtEl>
+                </p:cond>
+              </p:prevCondLst>
+              <p:nextCondLst>
+                <p:cond evt="onNext" delay="0">
+                  <p:tgtEl>
+                    <p:sldTgt/>
+                  </p:tgtEl>
+                </p:cond>
+              </p:nextCondLst>
+            </p:seq>
+          </p:childTnLst>
+        </p:cTn>
+      </p:par>
+    </p:tnLst>
+    <p:bldLst>
+      <p:bldP spid="7" grpId="0" animBg="1"/>
+      <p:bldP spid="8" grpId="0" animBg="1"/>
+      <p:bldP spid="9" grpId="0" animBg="1"/>
+    </p:bldLst>
+  </p:timing>
+</p:sld>
+</file>
+
+<file path=ppt/slides/slide45.xml><?xml version="1.0" encoding="utf-8"?>
 <p:sld xmlns:a="http://schemas.openxmlformats.org/drawingml/2006/main" xmlns:r="http://schemas.openxmlformats.org/officeDocument/2006/relationships" xmlns:p="http://schemas.openxmlformats.org/presentationml/2006/main">
   <p:cSld>
     <p:spTree>
@@ -19647,7 +20458,7 @@
 </p:sld>
 </file>
 
-<file path=ppt/slides/slide45.xml><?xml version="1.0" encoding="utf-8"?>
+<file path=ppt/slides/slide46.xml><?xml version="1.0" encoding="utf-8"?>
 <p:sld xmlns:a="http://schemas.openxmlformats.org/drawingml/2006/main" xmlns:r="http://schemas.openxmlformats.org/officeDocument/2006/relationships" xmlns:p="http://schemas.openxmlformats.org/presentationml/2006/main">
   <p:cSld>
     <p:spTree>
@@ -19749,7 +20560,7 @@
 </p:sld>
 </file>
 
-<file path=ppt/slides/slide46.xml><?xml version="1.0" encoding="utf-8"?>
+<file path=ppt/slides/slide47.xml><?xml version="1.0" encoding="utf-8"?>
 <p:sld xmlns:a="http://schemas.openxmlformats.org/drawingml/2006/main" xmlns:r="http://schemas.openxmlformats.org/officeDocument/2006/relationships" xmlns:p="http://schemas.openxmlformats.org/presentationml/2006/main">
   <p:cSld>
     <p:spTree>
@@ -20037,101 +20848,6 @@
 </p:sld>
 </file>
 
-<file path=ppt/slides/slide47.xml><?xml version="1.0" encoding="utf-8"?>
-<p:sld xmlns:a="http://schemas.openxmlformats.org/drawingml/2006/main" xmlns:r="http://schemas.openxmlformats.org/officeDocument/2006/relationships" xmlns:p="http://schemas.openxmlformats.org/presentationml/2006/main">
-  <p:cSld>
-    <p:spTree>
-      <p:nvGrpSpPr>
-        <p:cNvPr id="1" name=""/>
-        <p:cNvGrpSpPr/>
-        <p:nvPr/>
-      </p:nvGrpSpPr>
-      <p:grpSpPr>
-        <a:xfrm>
-          <a:off x="0" y="0"/>
-          <a:ext cx="0" cy="0"/>
-          <a:chOff x="0" y="0"/>
-          <a:chExt cx="0" cy="0"/>
-        </a:xfrm>
-      </p:grpSpPr>
-      <p:sp>
-        <p:nvSpPr>
-          <p:cNvPr id="2" name="Title 1">
-            <a:extLst>
-              <a:ext uri="{FF2B5EF4-FFF2-40B4-BE49-F238E27FC236}">
-                <a16:creationId xmlns:a16="http://schemas.microsoft.com/office/drawing/2014/main" id="{927FD44E-6130-2640-99CA-30743E11C2F6}"/>
-              </a:ext>
-            </a:extLst>
-          </p:cNvPr>
-          <p:cNvSpPr>
-            <a:spLocks noGrp="1"/>
-          </p:cNvSpPr>
-          <p:nvPr>
-            <p:ph type="title"/>
-          </p:nvPr>
-        </p:nvSpPr>
-        <p:spPr/>
-        <p:txBody>
-          <a:bodyPr/>
-          <a:lstStyle/>
-          <a:p>
-            <a:r>
-              <a:rPr lang="en-US" dirty="0"/>
-              <a:t>Advanced topics: Non-parametric</a:t>
-            </a:r>
-          </a:p>
-        </p:txBody>
-      </p:sp>
-      <p:sp>
-        <p:nvSpPr>
-          <p:cNvPr id="3" name="Content Placeholder 2">
-            <a:extLst>
-              <a:ext uri="{FF2B5EF4-FFF2-40B4-BE49-F238E27FC236}">
-                <a16:creationId xmlns:a16="http://schemas.microsoft.com/office/drawing/2014/main" id="{16B48867-D43A-6D44-AD27-635ED18DD269}"/>
-              </a:ext>
-            </a:extLst>
-          </p:cNvPr>
-          <p:cNvSpPr>
-            <a:spLocks noGrp="1"/>
-          </p:cNvSpPr>
-          <p:nvPr>
-            <p:ph idx="1"/>
-          </p:nvPr>
-        </p:nvSpPr>
-        <p:spPr/>
-        <p:txBody>
-          <a:bodyPr/>
-          <a:lstStyle/>
-          <a:p>
-            <a:r>
-              <a:rPr lang="en-US" sz="3200" dirty="0"/>
-              <a:t>Parametric models: a fixed set of model parameters regardless of sample size.</a:t>
-            </a:r>
-          </a:p>
-          <a:p>
-            <a:endParaRPr lang="en-US" sz="3200" dirty="0"/>
-          </a:p>
-          <a:p>
-            <a:r>
-              <a:rPr lang="en-US" sz="3200" dirty="0"/>
-              <a:t>E.g., a linear regression with 4 variables will have 4 slopes and 1 intercept (as well as the error term variance) no matter how many rows we have</a:t>
-            </a:r>
-          </a:p>
-        </p:txBody>
-      </p:sp>
-    </p:spTree>
-    <p:extLst>
-      <p:ext uri="{BB962C8B-B14F-4D97-AF65-F5344CB8AC3E}">
-        <p14:creationId xmlns:p14="http://schemas.microsoft.com/office/powerpoint/2010/main" val="955125347"/>
-      </p:ext>
-    </p:extLst>
-  </p:cSld>
-  <p:clrMapOvr>
-    <a:masterClrMapping/>
-  </p:clrMapOvr>
-</p:sld>
-</file>
-
 <file path=ppt/slides/slide48.xml><?xml version="1.0" encoding="utf-8"?>
 <p:sld xmlns:a="http://schemas.openxmlformats.org/drawingml/2006/main" xmlns:r="http://schemas.openxmlformats.org/officeDocument/2006/relationships" xmlns:p="http://schemas.openxmlformats.org/presentationml/2006/main">
   <p:cSld>
@@ -20200,7 +20916,7 @@
           <a:p>
             <a:r>
               <a:rPr lang="en-US" sz="3200" dirty="0"/>
-              <a:t>Non-Parametric models: a dynamic number of model parameters given different sample sizes.</a:t>
+              <a:t>Parametric models: a fixed set of model parameters regardless of sample size.</a:t>
             </a:r>
           </a:p>
           <a:p>
@@ -20209,34 +20925,7 @@
           <a:p>
             <a:r>
               <a:rPr lang="en-US" sz="3200" dirty="0"/>
-              <a:t>E.g., Gaussian Process</a:t>
-            </a:r>
-          </a:p>
-          <a:p>
-            <a:pPr lvl="1"/>
-            <a:r>
-              <a:rPr lang="en-US" sz="2800" dirty="0"/>
-              <a:t>It models the target using a mixture of Gaussian distributions.</a:t>
-            </a:r>
-          </a:p>
-          <a:p>
-            <a:pPr lvl="1"/>
-            <a:r>
-              <a:rPr lang="en-US" sz="2800" dirty="0"/>
-              <a:t>Good tutorial on this if interested (optional):</a:t>
-            </a:r>
-          </a:p>
-          <a:p>
-            <a:pPr lvl="2"/>
-            <a:r>
-              <a:rPr lang="en-US" sz="2400" dirty="0">
-                <a:hlinkClick r:id="rId2"/>
-              </a:rPr>
-              <a:t>https://distill.pub/2019/visual-exploration-gaussian-processes/</a:t>
-            </a:r>
-            <a:r>
-              <a:rPr lang="en-US" sz="2400" dirty="0"/>
-              <a:t> </a:t>
+              <a:t>E.g., a linear regression with 4 variables will have 4 slopes and 1 intercept (as well as the error term variance) no matter how many rows we have</a:t>
             </a:r>
           </a:p>
         </p:txBody>
@@ -20244,7 +20933,7 @@
     </p:spTree>
     <p:extLst>
       <p:ext uri="{BB962C8B-B14F-4D97-AF65-F5344CB8AC3E}">
-        <p14:creationId xmlns:p14="http://schemas.microsoft.com/office/powerpoint/2010/main" val="676508727"/>
+        <p14:creationId xmlns:p14="http://schemas.microsoft.com/office/powerpoint/2010/main" val="955125347"/>
       </p:ext>
     </p:extLst>
   </p:cSld>
@@ -20276,7 +20965,7 @@
           <p:cNvPr id="2" name="Title 1">
             <a:extLst>
               <a:ext uri="{FF2B5EF4-FFF2-40B4-BE49-F238E27FC236}">
-                <a16:creationId xmlns:a16="http://schemas.microsoft.com/office/drawing/2014/main" id="{CA5B456E-F81A-264B-9956-DC5B057E53EE}"/>
+                <a16:creationId xmlns:a16="http://schemas.microsoft.com/office/drawing/2014/main" id="{927FD44E-6130-2640-99CA-30743E11C2F6}"/>
               </a:ext>
             </a:extLst>
           </p:cNvPr>
@@ -20294,47 +20983,79 @@
           <a:p>
             <a:r>
               <a:rPr lang="en-US" dirty="0"/>
-              <a:t>Example: GP regression</a:t>
+              <a:t>Advanced topics: Non-parametric</a:t>
             </a:r>
           </a:p>
         </p:txBody>
       </p:sp>
-      <p:pic>
-        <p:nvPicPr>
-          <p:cNvPr id="4" name="Content Placeholder 3">
-            <a:extLst>
-              <a:ext uri="{FF2B5EF4-FFF2-40B4-BE49-F238E27FC236}">
-                <a16:creationId xmlns:a16="http://schemas.microsoft.com/office/drawing/2014/main" id="{DB4F9546-A115-9342-B3B0-D27E2FFC8602}"/>
-              </a:ext>
-            </a:extLst>
-          </p:cNvPr>
-          <p:cNvPicPr>
-            <a:picLocks noGrp="1" noChangeAspect="1"/>
-          </p:cNvPicPr>
+      <p:sp>
+        <p:nvSpPr>
+          <p:cNvPr id="3" name="Content Placeholder 2">
+            <a:extLst>
+              <a:ext uri="{FF2B5EF4-FFF2-40B4-BE49-F238E27FC236}">
+                <a16:creationId xmlns:a16="http://schemas.microsoft.com/office/drawing/2014/main" id="{16B48867-D43A-6D44-AD27-635ED18DD269}"/>
+              </a:ext>
+            </a:extLst>
+          </p:cNvPr>
+          <p:cNvSpPr>
+            <a:spLocks noGrp="1"/>
+          </p:cNvSpPr>
           <p:nvPr>
             <p:ph idx="1"/>
           </p:nvPr>
-        </p:nvPicPr>
-        <p:blipFill>
-          <a:blip r:embed="rId2"/>
-          <a:stretch>
-            <a:fillRect/>
-          </a:stretch>
-        </p:blipFill>
-        <p:spPr>
-          <a:xfrm>
-            <a:off x="452652" y="1630807"/>
-            <a:ext cx="8229600" cy="5204012"/>
-          </a:xfrm>
-          <a:prstGeom prst="rect">
-            <a:avLst/>
-          </a:prstGeom>
-        </p:spPr>
-      </p:pic>
+        </p:nvSpPr>
+        <p:spPr/>
+        <p:txBody>
+          <a:bodyPr/>
+          <a:lstStyle/>
+          <a:p>
+            <a:r>
+              <a:rPr lang="en-US" sz="3200" dirty="0"/>
+              <a:t>Non-Parametric models: a dynamic number of model parameters given different sample sizes.</a:t>
+            </a:r>
+          </a:p>
+          <a:p>
+            <a:endParaRPr lang="en-US" sz="3200" dirty="0"/>
+          </a:p>
+          <a:p>
+            <a:r>
+              <a:rPr lang="en-US" sz="3200" dirty="0"/>
+              <a:t>E.g., Gaussian Process</a:t>
+            </a:r>
+          </a:p>
+          <a:p>
+            <a:pPr lvl="1"/>
+            <a:r>
+              <a:rPr lang="en-US" sz="2800" dirty="0"/>
+              <a:t>It models the target using a mixture of Gaussian distributions.</a:t>
+            </a:r>
+          </a:p>
+          <a:p>
+            <a:pPr lvl="1"/>
+            <a:r>
+              <a:rPr lang="en-US" sz="2800" dirty="0"/>
+              <a:t>Good tutorial on this if interested (optional):</a:t>
+            </a:r>
+          </a:p>
+          <a:p>
+            <a:pPr lvl="2"/>
+            <a:r>
+              <a:rPr lang="en-US" sz="2400" dirty="0">
+                <a:hlinkClick r:id="rId2"/>
+              </a:rPr>
+              <a:t>https://distill.pub/2019/visual-exploration-gaussian-processes/</a:t>
+            </a:r>
+            <a:r>
+              <a:rPr lang="en-US" sz="2400" dirty="0"/>
+              <a:t> </a:t>
+            </a:r>
+          </a:p>
+        </p:txBody>
+      </p:sp>
     </p:spTree>
     <p:extLst>
       <p:ext uri="{BB962C8B-B14F-4D97-AF65-F5344CB8AC3E}">
-        <p14:creationId xmlns:p14="http://schemas.microsoft.com/office/powerpoint/2010/main" val="1669970555"/>
+        <p14:creationId xmlns:p14="http://schemas.microsoft.com/office/powerpoint/2010/main" val="676508727"/>
       </p:ext>
     </p:extLst>
   </p:cSld>
@@ -20448,7 +21169,13 @@
           <p:nvPr/>
         </p:nvPicPr>
         <p:blipFill>
-          <a:blip r:embed="rId3"/>
+          <a:blip r:embed="rId3" cstate="screen">
+            <a:extLst>
+              <a:ext uri="{28A0092B-C50C-407E-A947-70E740481C1C}">
+                <a14:useLocalDpi xmlns:a14="http://schemas.microsoft.com/office/drawing/2010/main"/>
+              </a:ext>
+            </a:extLst>
+          </a:blip>
           <a:stretch>
             <a:fillRect/>
           </a:stretch>
@@ -20498,6 +21225,96 @@
           <p:cNvPr id="2" name="Title 1">
             <a:extLst>
               <a:ext uri="{FF2B5EF4-FFF2-40B4-BE49-F238E27FC236}">
+                <a16:creationId xmlns:a16="http://schemas.microsoft.com/office/drawing/2014/main" id="{CA5B456E-F81A-264B-9956-DC5B057E53EE}"/>
+              </a:ext>
+            </a:extLst>
+          </p:cNvPr>
+          <p:cNvSpPr>
+            <a:spLocks noGrp="1"/>
+          </p:cNvSpPr>
+          <p:nvPr>
+            <p:ph type="title"/>
+          </p:nvPr>
+        </p:nvSpPr>
+        <p:spPr/>
+        <p:txBody>
+          <a:bodyPr/>
+          <a:lstStyle/>
+          <a:p>
+            <a:r>
+              <a:rPr lang="en-US" dirty="0"/>
+              <a:t>Example: GP regression</a:t>
+            </a:r>
+          </a:p>
+        </p:txBody>
+      </p:sp>
+      <p:pic>
+        <p:nvPicPr>
+          <p:cNvPr id="4" name="Content Placeholder 3">
+            <a:extLst>
+              <a:ext uri="{FF2B5EF4-FFF2-40B4-BE49-F238E27FC236}">
+                <a16:creationId xmlns:a16="http://schemas.microsoft.com/office/drawing/2014/main" id="{DB4F9546-A115-9342-B3B0-D27E2FFC8602}"/>
+              </a:ext>
+            </a:extLst>
+          </p:cNvPr>
+          <p:cNvPicPr>
+            <a:picLocks noGrp="1" noChangeAspect="1"/>
+          </p:cNvPicPr>
+          <p:nvPr>
+            <p:ph idx="1"/>
+          </p:nvPr>
+        </p:nvPicPr>
+        <p:blipFill>
+          <a:blip r:embed="rId2"/>
+          <a:stretch>
+            <a:fillRect/>
+          </a:stretch>
+        </p:blipFill>
+        <p:spPr>
+          <a:xfrm>
+            <a:off x="452652" y="1630807"/>
+            <a:ext cx="8229600" cy="5204012"/>
+          </a:xfrm>
+          <a:prstGeom prst="rect">
+            <a:avLst/>
+          </a:prstGeom>
+        </p:spPr>
+      </p:pic>
+    </p:spTree>
+    <p:extLst>
+      <p:ext uri="{BB962C8B-B14F-4D97-AF65-F5344CB8AC3E}">
+        <p14:creationId xmlns:p14="http://schemas.microsoft.com/office/powerpoint/2010/main" val="1669970555"/>
+      </p:ext>
+    </p:extLst>
+  </p:cSld>
+  <p:clrMapOvr>
+    <a:masterClrMapping/>
+  </p:clrMapOvr>
+</p:sld>
+</file>
+
+<file path=ppt/slides/slide51.xml><?xml version="1.0" encoding="utf-8"?>
+<p:sld xmlns:a="http://schemas.openxmlformats.org/drawingml/2006/main" xmlns:r="http://schemas.openxmlformats.org/officeDocument/2006/relationships" xmlns:p="http://schemas.openxmlformats.org/presentationml/2006/main">
+  <p:cSld>
+    <p:spTree>
+      <p:nvGrpSpPr>
+        <p:cNvPr id="1" name=""/>
+        <p:cNvGrpSpPr/>
+        <p:nvPr/>
+      </p:nvGrpSpPr>
+      <p:grpSpPr>
+        <a:xfrm>
+          <a:off x="0" y="0"/>
+          <a:ext cx="0" cy="0"/>
+          <a:chOff x="0" y="0"/>
+          <a:chExt cx="0" cy="0"/>
+        </a:xfrm>
+      </p:grpSpPr>
+      <p:sp>
+        <p:nvSpPr>
+          <p:cNvPr id="2" name="Title 1">
+            <a:extLst>
+              <a:ext uri="{FF2B5EF4-FFF2-40B4-BE49-F238E27FC236}">
                 <a16:creationId xmlns:a16="http://schemas.microsoft.com/office/drawing/2014/main" id="{117C3756-8FC0-A24C-A4F9-3692527ED6CD}"/>
               </a:ext>
             </a:extLst>
@@ -20589,7 +21406,7 @@
 </p:sld>
 </file>
 
-<file path=ppt/slides/slide51.xml><?xml version="1.0" encoding="utf-8"?>
+<file path=ppt/slides/slide52.xml><?xml version="1.0" encoding="utf-8"?>
 <p:sld xmlns:a="http://schemas.openxmlformats.org/drawingml/2006/main" xmlns:r="http://schemas.openxmlformats.org/officeDocument/2006/relationships" xmlns:p="http://schemas.openxmlformats.org/presentationml/2006/main">
   <p:cSld>
     <p:bg>

--- a/Week-6-Regresion/IS6400 Week 6.pptx
+++ b/Week-6-Regresion/IS6400 Week 6.pptx
@@ -339,7 +339,7 @@
               <a:pPr>
                 <a:defRPr/>
               </a:pPr>
-              <a:t>2022/3/2</a:t>
+              <a:t>2022/3/5</a:t>
             </a:fld>
             <a:endParaRPr lang="zh-TW" altLang="en-US"/>
           </a:p>
@@ -580,7 +580,7 @@
               <a:pPr>
                 <a:defRPr/>
               </a:pPr>
-              <a:t>3/2/22</a:t>
+              <a:t>3/5/22</a:t>
             </a:fld>
             <a:endParaRPr lang="en-US" dirty="0"/>
           </a:p>
@@ -1020,6 +1020,96 @@
           </a:bodyPr>
           <a:lstStyle/>
           <a:p>
+            <a:pPr rtl="0"/>
+            <a:r>
+              <a:rPr lang="en-HK" sz="1200" b="0" i="0" kern="1200" dirty="0">
+                <a:solidFill>
+                  <a:schemeClr val="tx1"/>
+                </a:solidFill>
+                <a:effectLst/>
+                <a:latin typeface="+mn-lt"/>
+                <a:ea typeface="+mn-ea"/>
+                <a:cs typeface="+mn-cs"/>
+              </a:rPr>
+              <a:t>Regression is probably one of the most commonly adopted statistical techniques. Our first question, why regression, seems totally unnecessary given the prevalence of this approach. The central idea of regression is to try to predict the average outcome based on a given set of variables.</a:t>
+            </a:r>
+          </a:p>
+          <a:p>
+            <a:pPr rtl="0"/>
+            <a:endParaRPr lang="en-HK" sz="1200" b="0" i="0" kern="1200" dirty="0">
+              <a:solidFill>
+                <a:schemeClr val="tx1"/>
+              </a:solidFill>
+              <a:effectLst/>
+              <a:latin typeface="+mn-lt"/>
+              <a:ea typeface="+mn-ea"/>
+              <a:cs typeface="+mn-cs"/>
+            </a:endParaRPr>
+          </a:p>
+          <a:p>
+            <a:pPr rtl="0"/>
+            <a:r>
+              <a:rPr lang="en-HK" sz="1200" b="0" i="0" kern="1200" dirty="0">
+                <a:solidFill>
+                  <a:schemeClr val="tx1"/>
+                </a:solidFill>
+                <a:effectLst/>
+                <a:latin typeface="+mn-lt"/>
+                <a:ea typeface="+mn-ea"/>
+                <a:cs typeface="+mn-cs"/>
+              </a:rPr>
+              <a:t>It is important to emphasize the adjective </a:t>
+            </a:r>
+            <a:r>
+              <a:rPr lang="en-HK" sz="1200" b="0" i="1" kern="1200" dirty="0">
+                <a:solidFill>
+                  <a:schemeClr val="tx1"/>
+                </a:solidFill>
+                <a:effectLst/>
+                <a:latin typeface="+mn-lt"/>
+                <a:ea typeface="+mn-ea"/>
+                <a:cs typeface="+mn-cs"/>
+              </a:rPr>
+              <a:t>average</a:t>
+            </a:r>
+            <a:r>
+              <a:rPr lang="en-HK" sz="1200" b="0" i="0" kern="1200" dirty="0">
+                <a:solidFill>
+                  <a:schemeClr val="tx1"/>
+                </a:solidFill>
+                <a:effectLst/>
+                <a:latin typeface="+mn-lt"/>
+                <a:ea typeface="+mn-ea"/>
+                <a:cs typeface="+mn-cs"/>
+              </a:rPr>
+              <a:t> in this brief description here. Instead of trying to precisely capture idiosyncrasy for every single individual in the dataset, the objective of regression is to </a:t>
+            </a:r>
+            <a:r>
+              <a:rPr lang="en-HK" sz="1200" b="0" i="1" kern="1200" dirty="0">
+                <a:solidFill>
+                  <a:schemeClr val="tx1"/>
+                </a:solidFill>
+                <a:effectLst/>
+                <a:latin typeface="+mn-lt"/>
+                <a:ea typeface="+mn-ea"/>
+                <a:cs typeface="+mn-cs"/>
+              </a:rPr>
+              <a:t>make a compromise</a:t>
+            </a:r>
+            <a:r>
+              <a:rPr lang="en-HK" sz="1200" b="0" i="0" kern="1200" dirty="0">
+                <a:solidFill>
+                  <a:schemeClr val="tx1"/>
+                </a:solidFill>
+                <a:effectLst/>
+                <a:latin typeface="+mn-lt"/>
+                <a:ea typeface="+mn-ea"/>
+                <a:cs typeface="+mn-cs"/>
+              </a:rPr>
+              <a:t> and produce predictions about how individuals may be like on average.</a:t>
+            </a:r>
+          </a:p>
+          <a:p>
             <a:pPr eaLnBrk="1" hangingPunct="1">
               <a:spcBef>
                 <a:spcPct val="0"/>
@@ -1253,6 +1343,86 @@
           <a:bodyPr/>
           <a:lstStyle/>
           <a:p>
+            <a:pPr marL="0" marR="0" lvl="0" indent="0" algn="l" defTabSz="914400" rtl="0" eaLnBrk="0" fontAlgn="base" latinLnBrk="0" hangingPunct="0">
+              <a:lnSpc>
+                <a:spcPct val="100000"/>
+              </a:lnSpc>
+              <a:spcBef>
+                <a:spcPct val="30000"/>
+              </a:spcBef>
+              <a:spcAft>
+                <a:spcPct val="0"/>
+              </a:spcAft>
+              <a:buClrTx/>
+              <a:buSzTx/>
+              <a:buFontTx/>
+              <a:buNone/>
+              <a:tabLst/>
+              <a:defRPr/>
+            </a:pPr>
+            <a:r>
+              <a:rPr lang="en-HK" sz="1200" b="0" i="0" kern="1200" dirty="0">
+                <a:solidFill>
+                  <a:schemeClr val="tx1"/>
+                </a:solidFill>
+                <a:effectLst/>
+                <a:latin typeface="+mn-lt"/>
+                <a:ea typeface="+mn-ea"/>
+                <a:cs typeface="+mn-cs"/>
+              </a:rPr>
+              <a:t>Intuitively, we are trying to model our data - that is, we are trying to make this simple linear regression predict the target given a subject's information. A mathematically equivalent way to say this is that we want to </a:t>
+            </a:r>
+            <a:r>
+              <a:rPr lang="en-HK" sz="1200" b="0" i="0" kern="1200" dirty="0" err="1">
+                <a:solidFill>
+                  <a:schemeClr val="tx1"/>
+                </a:solidFill>
+                <a:effectLst/>
+                <a:latin typeface="+mn-lt"/>
+                <a:ea typeface="+mn-ea"/>
+                <a:cs typeface="+mn-cs"/>
+              </a:rPr>
+              <a:t>minize</a:t>
+            </a:r>
+            <a:r>
+              <a:rPr lang="en-HK" sz="1200" b="0" i="0" kern="1200" dirty="0">
+                <a:solidFill>
+                  <a:schemeClr val="tx1"/>
+                </a:solidFill>
+                <a:effectLst/>
+                <a:latin typeface="+mn-lt"/>
+                <a:ea typeface="+mn-ea"/>
+                <a:cs typeface="+mn-cs"/>
+              </a:rPr>
+              <a:t> the error the model can make. Put differently, we have an </a:t>
+            </a:r>
+            <a:r>
+              <a:rPr lang="en-HK" sz="1200" b="0" i="1" kern="1200" dirty="0">
+                <a:solidFill>
+                  <a:schemeClr val="tx1"/>
+                </a:solidFill>
+                <a:effectLst/>
+                <a:latin typeface="+mn-lt"/>
+                <a:ea typeface="+mn-ea"/>
+                <a:cs typeface="+mn-cs"/>
+              </a:rPr>
+              <a:t>objective function</a:t>
+            </a:r>
+            <a:r>
+              <a:rPr lang="en-HK" sz="1200" b="0" i="0" kern="1200" dirty="0">
+                <a:solidFill>
+                  <a:schemeClr val="tx1"/>
+                </a:solidFill>
+                <a:effectLst/>
+                <a:latin typeface="+mn-lt"/>
+                <a:ea typeface="+mn-ea"/>
+                <a:cs typeface="+mn-cs"/>
+              </a:rPr>
+              <a:t> that we want to optimize (in this context, reaching the minimum)</a:t>
+            </a:r>
+            <a:endParaRPr lang="en-US" dirty="0"/>
+          </a:p>
+          <a:p>
             <a:endParaRPr lang="en-US" dirty="0"/>
           </a:p>
         </p:txBody>
@@ -1275,7 +1445,7 @@
             <a:fld id="{AAAEC759-9F4B-2F46-8026-8930C476A54C}" type="slidenum">
               <a:rPr lang="en-US" altLang="en-US" smtClean="0"/>
               <a:pPr/>
-              <a:t>20</a:t>
+              <a:t>11</a:t>
             </a:fld>
             <a:endParaRPr lang="en-US" altLang="en-US"/>
           </a:p>
@@ -1284,7 +1454,7 @@
     </p:spTree>
     <p:extLst>
       <p:ext uri="{BB962C8B-B14F-4D97-AF65-F5344CB8AC3E}">
-        <p14:creationId xmlns:p14="http://schemas.microsoft.com/office/powerpoint/2010/main" val="199127851"/>
+        <p14:creationId xmlns:p14="http://schemas.microsoft.com/office/powerpoint/2010/main" val="2074386508"/>
       </p:ext>
     </p:extLst>
   </p:cSld>
@@ -1338,10 +1508,7 @@
           <a:bodyPr/>
           <a:lstStyle/>
           <a:p>
-            <a:r>
-              <a:rPr lang="en-US" dirty="0"/>
-              <a:t>Step size</a:t>
-            </a:r>
+            <a:endParaRPr lang="en-US" dirty="0"/>
           </a:p>
         </p:txBody>
       </p:sp>
@@ -1363,6 +1530,352 @@
             <a:fld id="{AAAEC759-9F4B-2F46-8026-8930C476A54C}" type="slidenum">
               <a:rPr lang="en-US" altLang="en-US" smtClean="0"/>
               <a:pPr/>
+              <a:t>12</a:t>
+            </a:fld>
+            <a:endParaRPr lang="en-US" altLang="en-US"/>
+          </a:p>
+        </p:txBody>
+      </p:sp>
+    </p:spTree>
+    <p:extLst>
+      <p:ext uri="{BB962C8B-B14F-4D97-AF65-F5344CB8AC3E}">
+        <p14:creationId xmlns:p14="http://schemas.microsoft.com/office/powerpoint/2010/main" val="800653291"/>
+      </p:ext>
+    </p:extLst>
+  </p:cSld>
+  <p:clrMapOvr>
+    <a:masterClrMapping/>
+  </p:clrMapOvr>
+</p:notes>
+</file>
+
+<file path=ppt/notesSlides/notesSlide12.xml><?xml version="1.0" encoding="utf-8"?>
+<p:notes xmlns:a="http://schemas.openxmlformats.org/drawingml/2006/main" xmlns:r="http://schemas.openxmlformats.org/officeDocument/2006/relationships" xmlns:p="http://schemas.openxmlformats.org/presentationml/2006/main">
+  <p:cSld>
+    <p:spTree>
+      <p:nvGrpSpPr>
+        <p:cNvPr id="1" name=""/>
+        <p:cNvGrpSpPr/>
+        <p:nvPr/>
+      </p:nvGrpSpPr>
+      <p:grpSpPr>
+        <a:xfrm>
+          <a:off x="0" y="0"/>
+          <a:ext cx="0" cy="0"/>
+          <a:chOff x="0" y="0"/>
+          <a:chExt cx="0" cy="0"/>
+        </a:xfrm>
+      </p:grpSpPr>
+      <p:sp>
+        <p:nvSpPr>
+          <p:cNvPr id="2" name="Slide Image Placeholder 1"/>
+          <p:cNvSpPr>
+            <a:spLocks noGrp="1" noRot="1" noChangeAspect="1"/>
+          </p:cNvSpPr>
+          <p:nvPr>
+            <p:ph type="sldImg"/>
+          </p:nvPr>
+        </p:nvSpPr>
+        <p:spPr/>
+      </p:sp>
+      <p:sp>
+        <p:nvSpPr>
+          <p:cNvPr id="3" name="Notes Placeholder 2"/>
+          <p:cNvSpPr>
+            <a:spLocks noGrp="1"/>
+          </p:cNvSpPr>
+          <p:nvPr>
+            <p:ph type="body" idx="1"/>
+          </p:nvPr>
+        </p:nvSpPr>
+        <p:spPr/>
+        <p:txBody>
+          <a:bodyPr/>
+          <a:lstStyle/>
+          <a:p>
+            <a:endParaRPr lang="en-US" dirty="0"/>
+          </a:p>
+        </p:txBody>
+      </p:sp>
+      <p:sp>
+        <p:nvSpPr>
+          <p:cNvPr id="4" name="Slide Number Placeholder 3"/>
+          <p:cNvSpPr>
+            <a:spLocks noGrp="1"/>
+          </p:cNvSpPr>
+          <p:nvPr>
+            <p:ph type="sldNum" sz="quarter" idx="5"/>
+          </p:nvPr>
+        </p:nvSpPr>
+        <p:spPr/>
+        <p:txBody>
+          <a:bodyPr/>
+          <a:lstStyle/>
+          <a:p>
+            <a:fld id="{AAAEC759-9F4B-2F46-8026-8930C476A54C}" type="slidenum">
+              <a:rPr lang="en-US" altLang="en-US" smtClean="0"/>
+              <a:pPr/>
+              <a:t>13</a:t>
+            </a:fld>
+            <a:endParaRPr lang="en-US" altLang="en-US"/>
+          </a:p>
+        </p:txBody>
+      </p:sp>
+    </p:spTree>
+    <p:extLst>
+      <p:ext uri="{BB962C8B-B14F-4D97-AF65-F5344CB8AC3E}">
+        <p14:creationId xmlns:p14="http://schemas.microsoft.com/office/powerpoint/2010/main" val="2993494407"/>
+      </p:ext>
+    </p:extLst>
+  </p:cSld>
+  <p:clrMapOvr>
+    <a:masterClrMapping/>
+  </p:clrMapOvr>
+</p:notes>
+</file>
+
+<file path=ppt/notesSlides/notesSlide13.xml><?xml version="1.0" encoding="utf-8"?>
+<p:notes xmlns:a="http://schemas.openxmlformats.org/drawingml/2006/main" xmlns:r="http://schemas.openxmlformats.org/officeDocument/2006/relationships" xmlns:p="http://schemas.openxmlformats.org/presentationml/2006/main">
+  <p:cSld>
+    <p:spTree>
+      <p:nvGrpSpPr>
+        <p:cNvPr id="1" name=""/>
+        <p:cNvGrpSpPr/>
+        <p:nvPr/>
+      </p:nvGrpSpPr>
+      <p:grpSpPr>
+        <a:xfrm>
+          <a:off x="0" y="0"/>
+          <a:ext cx="0" cy="0"/>
+          <a:chOff x="0" y="0"/>
+          <a:chExt cx="0" cy="0"/>
+        </a:xfrm>
+      </p:grpSpPr>
+      <p:sp>
+        <p:nvSpPr>
+          <p:cNvPr id="2" name="Slide Image Placeholder 1"/>
+          <p:cNvSpPr>
+            <a:spLocks noGrp="1" noRot="1" noChangeAspect="1"/>
+          </p:cNvSpPr>
+          <p:nvPr>
+            <p:ph type="sldImg"/>
+          </p:nvPr>
+        </p:nvSpPr>
+        <p:spPr/>
+      </p:sp>
+      <p:sp>
+        <p:nvSpPr>
+          <p:cNvPr id="3" name="Notes Placeholder 2"/>
+          <p:cNvSpPr>
+            <a:spLocks noGrp="1"/>
+          </p:cNvSpPr>
+          <p:nvPr>
+            <p:ph type="body" idx="1"/>
+          </p:nvPr>
+        </p:nvSpPr>
+        <p:spPr/>
+        <p:txBody>
+          <a:bodyPr/>
+          <a:lstStyle/>
+          <a:p>
+            <a:r>
+              <a:rPr lang="en-US" dirty="0"/>
+              <a:t>Performance is satisfactory.. But!</a:t>
+            </a:r>
+          </a:p>
+        </p:txBody>
+      </p:sp>
+      <p:sp>
+        <p:nvSpPr>
+          <p:cNvPr id="4" name="Slide Number Placeholder 3"/>
+          <p:cNvSpPr>
+            <a:spLocks noGrp="1"/>
+          </p:cNvSpPr>
+          <p:nvPr>
+            <p:ph type="sldNum" sz="quarter" idx="5"/>
+          </p:nvPr>
+        </p:nvSpPr>
+        <p:spPr/>
+        <p:txBody>
+          <a:bodyPr/>
+          <a:lstStyle/>
+          <a:p>
+            <a:fld id="{AAAEC759-9F4B-2F46-8026-8930C476A54C}" type="slidenum">
+              <a:rPr lang="en-US" altLang="en-US" smtClean="0"/>
+              <a:pPr/>
+              <a:t>17</a:t>
+            </a:fld>
+            <a:endParaRPr lang="en-US" altLang="en-US"/>
+          </a:p>
+        </p:txBody>
+      </p:sp>
+    </p:spTree>
+    <p:extLst>
+      <p:ext uri="{BB962C8B-B14F-4D97-AF65-F5344CB8AC3E}">
+        <p14:creationId xmlns:p14="http://schemas.microsoft.com/office/powerpoint/2010/main" val="3423512585"/>
+      </p:ext>
+    </p:extLst>
+  </p:cSld>
+  <p:clrMapOvr>
+    <a:masterClrMapping/>
+  </p:clrMapOvr>
+</p:notes>
+</file>
+
+<file path=ppt/notesSlides/notesSlide14.xml><?xml version="1.0" encoding="utf-8"?>
+<p:notes xmlns:a="http://schemas.openxmlformats.org/drawingml/2006/main" xmlns:r="http://schemas.openxmlformats.org/officeDocument/2006/relationships" xmlns:p="http://schemas.openxmlformats.org/presentationml/2006/main">
+  <p:cSld>
+    <p:spTree>
+      <p:nvGrpSpPr>
+        <p:cNvPr id="1" name=""/>
+        <p:cNvGrpSpPr/>
+        <p:nvPr/>
+      </p:nvGrpSpPr>
+      <p:grpSpPr>
+        <a:xfrm>
+          <a:off x="0" y="0"/>
+          <a:ext cx="0" cy="0"/>
+          <a:chOff x="0" y="0"/>
+          <a:chExt cx="0" cy="0"/>
+        </a:xfrm>
+      </p:grpSpPr>
+      <p:sp>
+        <p:nvSpPr>
+          <p:cNvPr id="2" name="Slide Image Placeholder 1"/>
+          <p:cNvSpPr>
+            <a:spLocks noGrp="1" noRot="1" noChangeAspect="1"/>
+          </p:cNvSpPr>
+          <p:nvPr>
+            <p:ph type="sldImg"/>
+          </p:nvPr>
+        </p:nvSpPr>
+        <p:spPr/>
+      </p:sp>
+      <p:sp>
+        <p:nvSpPr>
+          <p:cNvPr id="3" name="Notes Placeholder 2"/>
+          <p:cNvSpPr>
+            <a:spLocks noGrp="1"/>
+          </p:cNvSpPr>
+          <p:nvPr>
+            <p:ph type="body" idx="1"/>
+          </p:nvPr>
+        </p:nvSpPr>
+        <p:spPr/>
+        <p:txBody>
+          <a:bodyPr/>
+          <a:lstStyle/>
+          <a:p>
+            <a:endParaRPr lang="en-US" dirty="0"/>
+          </a:p>
+        </p:txBody>
+      </p:sp>
+      <p:sp>
+        <p:nvSpPr>
+          <p:cNvPr id="4" name="Slide Number Placeholder 3"/>
+          <p:cNvSpPr>
+            <a:spLocks noGrp="1"/>
+          </p:cNvSpPr>
+          <p:nvPr>
+            <p:ph type="sldNum" sz="quarter" idx="5"/>
+          </p:nvPr>
+        </p:nvSpPr>
+        <p:spPr/>
+        <p:txBody>
+          <a:bodyPr/>
+          <a:lstStyle/>
+          <a:p>
+            <a:fld id="{AAAEC759-9F4B-2F46-8026-8930C476A54C}" type="slidenum">
+              <a:rPr lang="en-US" altLang="en-US" smtClean="0"/>
+              <a:pPr/>
+              <a:t>20</a:t>
+            </a:fld>
+            <a:endParaRPr lang="en-US" altLang="en-US"/>
+          </a:p>
+        </p:txBody>
+      </p:sp>
+    </p:spTree>
+    <p:extLst>
+      <p:ext uri="{BB962C8B-B14F-4D97-AF65-F5344CB8AC3E}">
+        <p14:creationId xmlns:p14="http://schemas.microsoft.com/office/powerpoint/2010/main" val="199127851"/>
+      </p:ext>
+    </p:extLst>
+  </p:cSld>
+  <p:clrMapOvr>
+    <a:masterClrMapping/>
+  </p:clrMapOvr>
+</p:notes>
+</file>
+
+<file path=ppt/notesSlides/notesSlide15.xml><?xml version="1.0" encoding="utf-8"?>
+<p:notes xmlns:a="http://schemas.openxmlformats.org/drawingml/2006/main" xmlns:r="http://schemas.openxmlformats.org/officeDocument/2006/relationships" xmlns:p="http://schemas.openxmlformats.org/presentationml/2006/main">
+  <p:cSld>
+    <p:spTree>
+      <p:nvGrpSpPr>
+        <p:cNvPr id="1" name=""/>
+        <p:cNvGrpSpPr/>
+        <p:nvPr/>
+      </p:nvGrpSpPr>
+      <p:grpSpPr>
+        <a:xfrm>
+          <a:off x="0" y="0"/>
+          <a:ext cx="0" cy="0"/>
+          <a:chOff x="0" y="0"/>
+          <a:chExt cx="0" cy="0"/>
+        </a:xfrm>
+      </p:grpSpPr>
+      <p:sp>
+        <p:nvSpPr>
+          <p:cNvPr id="2" name="Slide Image Placeholder 1"/>
+          <p:cNvSpPr>
+            <a:spLocks noGrp="1" noRot="1" noChangeAspect="1"/>
+          </p:cNvSpPr>
+          <p:nvPr>
+            <p:ph type="sldImg"/>
+          </p:nvPr>
+        </p:nvSpPr>
+        <p:spPr/>
+      </p:sp>
+      <p:sp>
+        <p:nvSpPr>
+          <p:cNvPr id="3" name="Notes Placeholder 2"/>
+          <p:cNvSpPr>
+            <a:spLocks noGrp="1"/>
+          </p:cNvSpPr>
+          <p:nvPr>
+            <p:ph type="body" idx="1"/>
+          </p:nvPr>
+        </p:nvSpPr>
+        <p:spPr/>
+        <p:txBody>
+          <a:bodyPr/>
+          <a:lstStyle/>
+          <a:p>
+            <a:r>
+              <a:rPr lang="en-US" dirty="0"/>
+              <a:t>Step size</a:t>
+            </a:r>
+          </a:p>
+        </p:txBody>
+      </p:sp>
+      <p:sp>
+        <p:nvSpPr>
+          <p:cNvPr id="4" name="Slide Number Placeholder 3"/>
+          <p:cNvSpPr>
+            <a:spLocks noGrp="1"/>
+          </p:cNvSpPr>
+          <p:nvPr>
+            <p:ph type="sldNum" sz="quarter" idx="5"/>
+          </p:nvPr>
+        </p:nvSpPr>
+        <p:spPr/>
+        <p:txBody>
+          <a:bodyPr/>
+          <a:lstStyle/>
+          <a:p>
+            <a:fld id="{AAAEC759-9F4B-2F46-8026-8930C476A54C}" type="slidenum">
+              <a:rPr lang="en-US" altLang="en-US" smtClean="0"/>
+              <a:pPr/>
               <a:t>22</a:t>
             </a:fld>
             <a:endParaRPr lang="en-US" altLang="en-US"/>
@@ -1382,7 +1895,7 @@
 </p:notes>
 </file>
 
-<file path=ppt/notesSlides/notesSlide12.xml><?xml version="1.0" encoding="utf-8"?>
+<file path=ppt/notesSlides/notesSlide16.xml><?xml version="1.0" encoding="utf-8"?>
 <p:notes xmlns:a="http://schemas.openxmlformats.org/drawingml/2006/main" xmlns:r="http://schemas.openxmlformats.org/officeDocument/2006/relationships" xmlns:p="http://schemas.openxmlformats.org/presentationml/2006/main">
   <p:cSld>
     <p:spTree>
@@ -1715,8 +2228,9 @@
           <a:bodyPr/>
           <a:lstStyle/>
           <a:p>
-            <a:r>
-              <a:rPr lang="en-HK" sz="1200" b="0" i="0" u="none" strike="noStrike" kern="1200" dirty="0">
+            <a:pPr rtl="0"/>
+            <a:r>
+              <a:rPr lang="en-HK" sz="1200" b="0" i="0" kern="1200" dirty="0">
                 <a:solidFill>
                   <a:schemeClr val="tx1"/>
                 </a:solidFill>
@@ -1725,8 +2239,53 @@
                 <a:ea typeface="+mn-ea"/>
                 <a:cs typeface="+mn-cs"/>
               </a:rPr>
-              <a:t>Consequently, the original use of the term "regression" was not to describe a statistical method but a description of his findings (a.k.a., regression to the mean). Gradually, the meaning of "regression" has already been expanded to refer to such line fitting approach for identifying linear relationships between variables.</a:t>
-            </a:r>
+              <a:t>The first time this term appeared in the academia was 1886:</a:t>
+            </a:r>
+          </a:p>
+          <a:p>
+            <a:pPr marL="0" marR="0" lvl="0" indent="0" algn="l" defTabSz="914400" rtl="0" eaLnBrk="0" fontAlgn="base" latinLnBrk="0" hangingPunct="0">
+              <a:lnSpc>
+                <a:spcPct val="100000"/>
+              </a:lnSpc>
+              <a:spcBef>
+                <a:spcPct val="30000"/>
+              </a:spcBef>
+              <a:spcAft>
+                <a:spcPct val="0"/>
+              </a:spcAft>
+              <a:buClrTx/>
+              <a:buSzTx/>
+              <a:buFontTx/>
+              <a:buNone/>
+              <a:tabLst/>
+              <a:defRPr/>
+            </a:pPr>
+            <a:r>
+              <a:rPr lang="en-HK" sz="1200" b="0" i="0" kern="1200" dirty="0">
+                <a:solidFill>
+                  <a:schemeClr val="tx1"/>
+                </a:solidFill>
+                <a:effectLst/>
+                <a:latin typeface="+mn-lt"/>
+                <a:ea typeface="+mn-ea"/>
+                <a:cs typeface="+mn-cs"/>
+              </a:rPr>
+              <a:t>Galton, F. (1886). Regression towards mediocrity in hereditary stature. The Journal of the Anthropological Institute of Great Britain and Ireland, 15, 246-263.</a:t>
+            </a:r>
+          </a:p>
+          <a:p>
+            <a:pPr rtl="0"/>
+            <a:endParaRPr lang="en-HK" sz="1200" b="0" i="0" kern="1200" dirty="0">
+              <a:solidFill>
+                <a:schemeClr val="tx1"/>
+              </a:solidFill>
+              <a:effectLst/>
+              <a:latin typeface="+mn-lt"/>
+              <a:ea typeface="+mn-ea"/>
+              <a:cs typeface="+mn-cs"/>
+            </a:endParaRPr>
+          </a:p>
+          <a:p>
             <a:endParaRPr lang="en-US" dirty="0"/>
           </a:p>
         </p:txBody>
@@ -1749,7 +2308,7 @@
             <a:fld id="{AAAEC759-9F4B-2F46-8026-8930C476A54C}" type="slidenum">
               <a:rPr lang="en-US" altLang="en-US" smtClean="0"/>
               <a:pPr/>
-              <a:t>3</a:t>
+              <a:t>2</a:t>
             </a:fld>
             <a:endParaRPr lang="en-US" altLang="en-US"/>
           </a:p>
@@ -1758,7 +2317,7 @@
     </p:spTree>
     <p:extLst>
       <p:ext uri="{BB962C8B-B14F-4D97-AF65-F5344CB8AC3E}">
-        <p14:creationId xmlns:p14="http://schemas.microsoft.com/office/powerpoint/2010/main" val="3174651678"/>
+        <p14:creationId xmlns:p14="http://schemas.microsoft.com/office/powerpoint/2010/main" val="3474104334"/>
       </p:ext>
     </p:extLst>
   </p:cSld>
@@ -1813,6 +2372,55 @@
           <a:lstStyle/>
           <a:p>
             <a:r>
+              <a:rPr lang="en-HK" sz="1200" b="0" i="0" kern="1200" dirty="0">
+                <a:solidFill>
+                  <a:schemeClr val="tx1"/>
+                </a:solidFill>
+                <a:effectLst/>
+                <a:latin typeface="+mn-lt"/>
+                <a:ea typeface="+mn-ea"/>
+                <a:cs typeface="+mn-cs"/>
+              </a:rPr>
+              <a:t>At the time, Galton discovered that there is a correlation between children and their parents. Moreover, the deviation of children's heights from the mean is </a:t>
+            </a:r>
+            <a:r>
+              <a:rPr lang="en-HK" sz="1200" b="0" i="0" kern="1200" dirty="0" err="1">
+                <a:solidFill>
+                  <a:schemeClr val="tx1"/>
+                </a:solidFill>
+                <a:effectLst/>
+                <a:latin typeface="+mn-lt"/>
+                <a:ea typeface="+mn-ea"/>
+                <a:cs typeface="+mn-cs"/>
+              </a:rPr>
+              <a:t>expeceted</a:t>
+            </a:r>
+            <a:r>
+              <a:rPr lang="en-HK" sz="1200" b="0" i="0" kern="1200" dirty="0">
+                <a:solidFill>
+                  <a:schemeClr val="tx1"/>
+                </a:solidFill>
+                <a:effectLst/>
+                <a:latin typeface="+mn-lt"/>
+                <a:ea typeface="+mn-ea"/>
+                <a:cs typeface="+mn-cs"/>
+              </a:rPr>
+              <a:t> to be less than that of their parents.</a:t>
+            </a:r>
+          </a:p>
+          <a:p>
+            <a:endParaRPr lang="en-HK" sz="1200" b="0" i="0" u="none" strike="noStrike" kern="1200" dirty="0">
+              <a:solidFill>
+                <a:schemeClr val="tx1"/>
+              </a:solidFill>
+              <a:effectLst/>
+              <a:latin typeface="+mn-lt"/>
+              <a:ea typeface="+mn-ea"/>
+              <a:cs typeface="+mn-cs"/>
+            </a:endParaRPr>
+          </a:p>
+          <a:p>
+            <a:r>
               <a:rPr lang="en-HK" sz="1200" b="0" i="0" u="none" strike="noStrike" kern="1200" dirty="0">
                 <a:solidFill>
                   <a:schemeClr val="tx1"/>
@@ -1822,7 +2430,7 @@
                 <a:ea typeface="+mn-ea"/>
                 <a:cs typeface="+mn-cs"/>
               </a:rPr>
-              <a:t>The most straightforward application of regression is probably prediction -- given past observations, we want to predict future values of a given target. Examples include the prediction of bitcoin prices, product sales, or election results. This is also the focus of our class today.</a:t>
+              <a:t>Consequently, the original use of the term "regression" was not to describe a statistical method but a description of his findings (a.k.a., regression to the mean). Gradually, the meaning of "regression" has already been expanded to refer to such line fitting approach for identifying linear relationships between variables.</a:t>
             </a:r>
             <a:endParaRPr lang="en-US" dirty="0"/>
           </a:p>
@@ -1846,7 +2454,7 @@
             <a:fld id="{AAAEC759-9F4B-2F46-8026-8930C476A54C}" type="slidenum">
               <a:rPr lang="en-US" altLang="en-US" smtClean="0"/>
               <a:pPr/>
-              <a:t>4</a:t>
+              <a:t>3</a:t>
             </a:fld>
             <a:endParaRPr lang="en-US" altLang="en-US"/>
           </a:p>
@@ -1855,7 +2463,7 @@
     </p:spTree>
     <p:extLst>
       <p:ext uri="{BB962C8B-B14F-4D97-AF65-F5344CB8AC3E}">
-        <p14:creationId xmlns:p14="http://schemas.microsoft.com/office/powerpoint/2010/main" val="1577944378"/>
+        <p14:creationId xmlns:p14="http://schemas.microsoft.com/office/powerpoint/2010/main" val="3174651678"/>
       </p:ext>
     </p:extLst>
   </p:cSld>
@@ -1910,7 +2518,7 @@
           <a:lstStyle/>
           <a:p>
             <a:r>
-              <a:rPr lang="en-HK" sz="1200" b="0" i="0" u="none" strike="noStrike" kern="1200" dirty="0">
+              <a:rPr lang="en-HK" sz="1200" b="0" i="1" kern="1200" dirty="0">
                 <a:solidFill>
                   <a:schemeClr val="tx1"/>
                 </a:solidFill>
@@ -1919,12 +2527,10 @@
                 <a:ea typeface="+mn-ea"/>
                 <a:cs typeface="+mn-cs"/>
               </a:rPr>
-              <a:t>In social sciences, researchers utilize regression approaches to understand correlations between variables of interests. For instance, many recent interests lie on the analysis of how social distancing affects the COVID-19 pandemic severity.</a:t>
-            </a:r>
-          </a:p>
-          <a:p>
-            <a:r>
-              <a:rPr lang="en-HK" sz="1200" b="0" i="0" u="none" strike="noStrike" kern="1200" dirty="0">
+              <a:t>Prediction</a:t>
+            </a:r>
+            <a:r>
+              <a:rPr lang="en-HK" sz="1200" b="0" i="0" kern="1200" dirty="0">
                 <a:solidFill>
                   <a:schemeClr val="tx1"/>
                 </a:solidFill>
@@ -1933,8 +2539,50 @@
                 <a:ea typeface="+mn-ea"/>
                 <a:cs typeface="+mn-cs"/>
               </a:rPr>
-              <a:t>Furthermore, since the credibility revolution in the field of economics, there has been strong emphasis on proper and rigorous identification of causal effects rather than simply association, the latter of which may oftentimes be misleading.</a:t>
-            </a:r>
+              <a:t>: The most straightforward application of regression is probably prediction -- given past observations, we want to predict future values of a given target. Examples include the prediction of bitcoin prices, product sales, or election results. This is also the focus of our class today.</a:t>
+            </a:r>
+          </a:p>
+          <a:p>
+            <a:pPr lvl="1"/>
+            <a:r>
+              <a:rPr lang="en-HK" sz="1200" b="0" i="0" kern="1200" dirty="0">
+                <a:solidFill>
+                  <a:schemeClr val="tx1"/>
+                </a:solidFill>
+                <a:effectLst/>
+                <a:latin typeface="+mn-lt"/>
+                <a:ea typeface="+mn-ea"/>
+                <a:cs typeface="+mn-cs"/>
+              </a:rPr>
+              <a:t>A cool example is the 2020 U.S. presidential election prediction conducted by </a:t>
+            </a:r>
+            <a:r>
+              <a:rPr lang="en-HK" sz="1200" b="0" i="0" u="sng" kern="1200" dirty="0">
+                <a:solidFill>
+                  <a:schemeClr val="tx1"/>
+                </a:solidFill>
+                <a:effectLst/>
+                <a:latin typeface="+mn-lt"/>
+                <a:ea typeface="+mn-ea"/>
+                <a:cs typeface="+mn-cs"/>
+                <a:hlinkClick r:id="rId3"/>
+              </a:rPr>
+              <a:t>FiveThirtyEight</a:t>
+            </a:r>
+            <a:r>
+              <a:rPr lang="en-HK" sz="1200" b="0" i="0" kern="1200" dirty="0">
+                <a:solidFill>
+                  <a:schemeClr val="tx1"/>
+                </a:solidFill>
+                <a:effectLst/>
+                <a:latin typeface="+mn-lt"/>
+                <a:ea typeface="+mn-ea"/>
+                <a:cs typeface="+mn-cs"/>
+              </a:rPr>
+              <a:t>.</a:t>
+            </a:r>
+          </a:p>
+          <a:p>
             <a:endParaRPr lang="en-US" dirty="0"/>
           </a:p>
         </p:txBody>
@@ -1957,7 +2605,7 @@
             <a:fld id="{AAAEC759-9F4B-2F46-8026-8930C476A54C}" type="slidenum">
               <a:rPr lang="en-US" altLang="en-US" smtClean="0"/>
               <a:pPr/>
-              <a:t>5</a:t>
+              <a:t>4</a:t>
             </a:fld>
             <a:endParaRPr lang="en-US" altLang="en-US"/>
           </a:p>
@@ -1966,7 +2614,7 @@
     </p:spTree>
     <p:extLst>
       <p:ext uri="{BB962C8B-B14F-4D97-AF65-F5344CB8AC3E}">
-        <p14:creationId xmlns:p14="http://schemas.microsoft.com/office/powerpoint/2010/main" val="1180643968"/>
+        <p14:creationId xmlns:p14="http://schemas.microsoft.com/office/powerpoint/2010/main" val="1577944378"/>
       </p:ext>
     </p:extLst>
   </p:cSld>
@@ -2020,6 +2668,32 @@
           <a:bodyPr/>
           <a:lstStyle/>
           <a:p>
+            <a:r>
+              <a:rPr lang="en-HK" sz="1200" b="0" i="0" u="none" strike="noStrike" kern="1200" dirty="0">
+                <a:solidFill>
+                  <a:schemeClr val="tx1"/>
+                </a:solidFill>
+                <a:effectLst/>
+                <a:latin typeface="+mn-lt"/>
+                <a:ea typeface="+mn-ea"/>
+                <a:cs typeface="+mn-cs"/>
+              </a:rPr>
+              <a:t>In social sciences, researchers utilize regression approaches to understand correlations between variables of interests. For instance, many recent interests lie on the analysis of how social distancing affects the COVID-19 pandemic severity.</a:t>
+            </a:r>
+          </a:p>
+          <a:p>
+            <a:r>
+              <a:rPr lang="en-HK" sz="1200" b="0" i="0" u="none" strike="noStrike" kern="1200" dirty="0">
+                <a:solidFill>
+                  <a:schemeClr val="tx1"/>
+                </a:solidFill>
+                <a:effectLst/>
+                <a:latin typeface="+mn-lt"/>
+                <a:ea typeface="+mn-ea"/>
+                <a:cs typeface="+mn-cs"/>
+              </a:rPr>
+              <a:t>Furthermore, since the credibility revolution in the field of economics, there has been strong emphasis on proper and rigorous identification of causal effects rather than simply association, the latter of which may oftentimes be misleading.</a:t>
+            </a:r>
             <a:endParaRPr lang="en-US" dirty="0"/>
           </a:p>
         </p:txBody>
@@ -2042,7 +2716,7 @@
             <a:fld id="{AAAEC759-9F4B-2F46-8026-8930C476A54C}" type="slidenum">
               <a:rPr lang="en-US" altLang="en-US" smtClean="0"/>
               <a:pPr/>
-              <a:t>6</a:t>
+              <a:t>5</a:t>
             </a:fld>
             <a:endParaRPr lang="en-US" altLang="en-US"/>
           </a:p>
@@ -2051,7 +2725,7 @@
     </p:spTree>
     <p:extLst>
       <p:ext uri="{BB962C8B-B14F-4D97-AF65-F5344CB8AC3E}">
-        <p14:creationId xmlns:p14="http://schemas.microsoft.com/office/powerpoint/2010/main" val="185429189"/>
+        <p14:creationId xmlns:p14="http://schemas.microsoft.com/office/powerpoint/2010/main" val="1180643968"/>
       </p:ext>
     </p:extLst>
   </p:cSld>
@@ -2106,18 +2780,9 @@
           <a:lstStyle/>
           <a:p>
             <a:r>
-              <a:rPr lang="en-HK" sz="1200" b="0" i="0" u="none" strike="noStrike" kern="1200" dirty="0">
-                <a:solidFill>
-                  <a:schemeClr val="tx1"/>
-                </a:solidFill>
-                <a:effectLst/>
-                <a:latin typeface="+mn-lt"/>
-                <a:ea typeface="+mn-ea"/>
-                <a:cs typeface="+mn-cs"/>
-              </a:rPr>
-              <a:t> it is worth noting that classification can be thought of a specific case of regression. In the simple case of a binary prediction, for instance, a non-linear transformation can be applied on top of the linear regression model in order to produce values between 0 and 1. Such values can be interpreted as the probability of being 1 (a.k.a., having the positive class label).</a:t>
-            </a:r>
-            <a:endParaRPr lang="en-US" dirty="0"/>
+              <a:rPr lang="en-US" dirty="0"/>
+              <a:t>Correlations due to noise or confounding rather than causal links.</a:t>
+            </a:r>
           </a:p>
         </p:txBody>
       </p:sp>
@@ -2139,7 +2804,7 @@
             <a:fld id="{AAAEC759-9F4B-2F46-8026-8930C476A54C}" type="slidenum">
               <a:rPr lang="en-US" altLang="en-US" smtClean="0"/>
               <a:pPr/>
-              <a:t>7</a:t>
+              <a:t>6</a:t>
             </a:fld>
             <a:endParaRPr lang="en-US" altLang="en-US"/>
           </a:p>
@@ -2148,7 +2813,7 @@
     </p:spTree>
     <p:extLst>
       <p:ext uri="{BB962C8B-B14F-4D97-AF65-F5344CB8AC3E}">
-        <p14:creationId xmlns:p14="http://schemas.microsoft.com/office/powerpoint/2010/main" val="3672453387"/>
+        <p14:creationId xmlns:p14="http://schemas.microsoft.com/office/powerpoint/2010/main" val="185429189"/>
       </p:ext>
     </p:extLst>
   </p:cSld>
@@ -2202,6 +2867,18 @@
           <a:bodyPr/>
           <a:lstStyle/>
           <a:p>
+            <a:r>
+              <a:rPr lang="en-HK" sz="1200" b="0" i="0" u="none" strike="noStrike" kern="1200" dirty="0">
+                <a:solidFill>
+                  <a:schemeClr val="tx1"/>
+                </a:solidFill>
+                <a:effectLst/>
+                <a:latin typeface="+mn-lt"/>
+                <a:ea typeface="+mn-ea"/>
+                <a:cs typeface="+mn-cs"/>
+              </a:rPr>
+              <a:t> it is worth noting that classification can be thought of a specific case of regression. In the simple case of a binary prediction, for instance, a non-linear transformation can be applied on top of the linear regression model in order to produce values between 0 and 1. Such values can be interpreted as the probability of being 1 (a.k.a., having the positive class label).</a:t>
+            </a:r>
             <a:endParaRPr lang="en-US" dirty="0"/>
           </a:p>
         </p:txBody>
@@ -2224,7 +2901,7 @@
             <a:fld id="{AAAEC759-9F4B-2F46-8026-8930C476A54C}" type="slidenum">
               <a:rPr lang="en-US" altLang="en-US" smtClean="0"/>
               <a:pPr/>
-              <a:t>12</a:t>
+              <a:t>7</a:t>
             </a:fld>
             <a:endParaRPr lang="en-US" altLang="en-US"/>
           </a:p>
@@ -2233,7 +2910,7 @@
     </p:spTree>
     <p:extLst>
       <p:ext uri="{BB962C8B-B14F-4D97-AF65-F5344CB8AC3E}">
-        <p14:creationId xmlns:p14="http://schemas.microsoft.com/office/powerpoint/2010/main" val="800653291"/>
+        <p14:creationId xmlns:p14="http://schemas.microsoft.com/office/powerpoint/2010/main" val="3672453387"/>
       </p:ext>
     </p:extLst>
   </p:cSld>
@@ -2287,6 +2964,360 @@
           <a:bodyPr/>
           <a:lstStyle/>
           <a:p>
+            <a:pPr rtl="0"/>
+            <a:r>
+              <a:rPr lang="el-GR" sz="1200" b="0" i="0" u="none" strike="noStrike" kern="1200" dirty="0">
+                <a:solidFill>
+                  <a:schemeClr val="tx1"/>
+                </a:solidFill>
+                <a:effectLst/>
+                <a:latin typeface="+mn-lt"/>
+                <a:ea typeface="+mn-ea"/>
+                <a:cs typeface="+mn-cs"/>
+              </a:rPr>
+              <a:t>𝛽1</a:t>
+            </a:r>
+            <a:r>
+              <a:rPr lang="el-GR" sz="1200" b="0" i="0" kern="1200" dirty="0">
+                <a:solidFill>
+                  <a:schemeClr val="tx1"/>
+                </a:solidFill>
+                <a:effectLst/>
+                <a:latin typeface="+mn-lt"/>
+                <a:ea typeface="+mn-ea"/>
+                <a:cs typeface="+mn-cs"/>
+              </a:rPr>
+              <a:t> </a:t>
+            </a:r>
+            <a:r>
+              <a:rPr lang="en-HK" sz="1200" b="0" i="0" kern="1200" dirty="0">
+                <a:solidFill>
+                  <a:schemeClr val="tx1"/>
+                </a:solidFill>
+                <a:effectLst/>
+                <a:latin typeface="+mn-lt"/>
+                <a:ea typeface="+mn-ea"/>
+                <a:cs typeface="+mn-cs"/>
+              </a:rPr>
+              <a:t>is the regression slope capturing the correlation between </a:t>
+            </a:r>
+            <a:r>
+              <a:rPr lang="en-HK" sz="1200" b="0" i="0" u="none" strike="noStrike" kern="1200" dirty="0">
+                <a:solidFill>
+                  <a:schemeClr val="tx1"/>
+                </a:solidFill>
+                <a:effectLst/>
+                <a:latin typeface="+mn-lt"/>
+                <a:ea typeface="+mn-ea"/>
+                <a:cs typeface="+mn-cs"/>
+              </a:rPr>
+              <a:t>𝑥x</a:t>
+            </a:r>
+            <a:r>
+              <a:rPr lang="en-HK" sz="1200" b="0" i="0" kern="1200" dirty="0">
+                <a:solidFill>
+                  <a:schemeClr val="tx1"/>
+                </a:solidFill>
+                <a:effectLst/>
+                <a:latin typeface="+mn-lt"/>
+                <a:ea typeface="+mn-ea"/>
+                <a:cs typeface="+mn-cs"/>
+              </a:rPr>
+              <a:t> and </a:t>
+            </a:r>
+            <a:r>
+              <a:rPr lang="en-HK" sz="1200" b="0" i="0" u="none" strike="noStrike" kern="1200" dirty="0">
+                <a:solidFill>
+                  <a:schemeClr val="tx1"/>
+                </a:solidFill>
+                <a:effectLst/>
+                <a:latin typeface="+mn-lt"/>
+                <a:ea typeface="+mn-ea"/>
+                <a:cs typeface="+mn-cs"/>
+              </a:rPr>
+              <a:t>𝑦y</a:t>
+            </a:r>
+            <a:endParaRPr lang="en-HK" sz="1200" b="0" i="0" kern="1200" dirty="0">
+              <a:solidFill>
+                <a:schemeClr val="tx1"/>
+              </a:solidFill>
+              <a:effectLst/>
+              <a:latin typeface="+mn-lt"/>
+              <a:ea typeface="+mn-ea"/>
+              <a:cs typeface="+mn-cs"/>
+            </a:endParaRPr>
+          </a:p>
+          <a:p>
+            <a:pPr rtl="0"/>
+            <a:r>
+              <a:rPr lang="en-HK" sz="1200" b="0" i="0" u="none" strike="noStrike" kern="1200" dirty="0">
+                <a:solidFill>
+                  <a:schemeClr val="tx1"/>
+                </a:solidFill>
+                <a:effectLst/>
+                <a:latin typeface="+mn-lt"/>
+                <a:ea typeface="+mn-ea"/>
+                <a:cs typeface="+mn-cs"/>
+              </a:rPr>
+              <a:t>𝛽0</a:t>
+            </a:r>
+            <a:r>
+              <a:rPr lang="el-GR" sz="1200" b="0" i="0" kern="1200" dirty="0">
+                <a:solidFill>
+                  <a:schemeClr val="tx1"/>
+                </a:solidFill>
+                <a:effectLst/>
+                <a:latin typeface="+mn-lt"/>
+                <a:ea typeface="+mn-ea"/>
+                <a:cs typeface="+mn-cs"/>
+              </a:rPr>
+              <a:t> </a:t>
+            </a:r>
+            <a:r>
+              <a:rPr lang="en-HK" sz="1200" b="0" i="0" kern="1200" dirty="0">
+                <a:solidFill>
+                  <a:schemeClr val="tx1"/>
+                </a:solidFill>
+                <a:effectLst/>
+                <a:latin typeface="+mn-lt"/>
+                <a:ea typeface="+mn-ea"/>
+                <a:cs typeface="+mn-cs"/>
+              </a:rPr>
+              <a:t>is the regression intercept, i.e., the predicted value of </a:t>
+            </a:r>
+            <a:r>
+              <a:rPr lang="en-HK" sz="1200" b="0" i="0" u="none" strike="noStrike" kern="1200" dirty="0">
+                <a:solidFill>
+                  <a:schemeClr val="tx1"/>
+                </a:solidFill>
+                <a:effectLst/>
+                <a:latin typeface="+mn-lt"/>
+                <a:ea typeface="+mn-ea"/>
+                <a:cs typeface="+mn-cs"/>
+              </a:rPr>
+              <a:t>𝑦y</a:t>
+            </a:r>
+            <a:r>
+              <a:rPr lang="en-HK" sz="1200" b="0" i="0" kern="1200" dirty="0">
+                <a:solidFill>
+                  <a:schemeClr val="tx1"/>
+                </a:solidFill>
+                <a:effectLst/>
+                <a:latin typeface="+mn-lt"/>
+                <a:ea typeface="+mn-ea"/>
+                <a:cs typeface="+mn-cs"/>
+              </a:rPr>
+              <a:t> when </a:t>
+            </a:r>
+            <a:r>
+              <a:rPr lang="en-HK" sz="1200" b="0" i="0" u="none" strike="noStrike" kern="1200" dirty="0">
+                <a:solidFill>
+                  <a:schemeClr val="tx1"/>
+                </a:solidFill>
+                <a:effectLst/>
+                <a:latin typeface="+mn-lt"/>
+                <a:ea typeface="+mn-ea"/>
+                <a:cs typeface="+mn-cs"/>
+              </a:rPr>
+              <a:t>𝑥=0x=0</a:t>
+            </a:r>
+            <a:endParaRPr lang="en-HK" sz="1200" b="0" i="0" kern="1200" dirty="0">
+              <a:solidFill>
+                <a:schemeClr val="tx1"/>
+              </a:solidFill>
+              <a:effectLst/>
+              <a:latin typeface="+mn-lt"/>
+              <a:ea typeface="+mn-ea"/>
+              <a:cs typeface="+mn-cs"/>
+            </a:endParaRPr>
+          </a:p>
+          <a:p>
+            <a:pPr rtl="0"/>
+            <a:r>
+              <a:rPr lang="en-HK" sz="1200" b="0" i="0" u="none" strike="noStrike" kern="1200" dirty="0">
+                <a:solidFill>
+                  <a:schemeClr val="tx1"/>
+                </a:solidFill>
+                <a:effectLst/>
+                <a:latin typeface="+mn-lt"/>
+                <a:ea typeface="+mn-ea"/>
+                <a:cs typeface="+mn-cs"/>
+              </a:rPr>
+              <a:t>𝜖</a:t>
+            </a:r>
+            <a:r>
+              <a:rPr lang="el-GR" sz="1200" b="0" i="0" kern="1200" dirty="0">
+                <a:solidFill>
+                  <a:schemeClr val="tx1"/>
+                </a:solidFill>
+                <a:effectLst/>
+                <a:latin typeface="+mn-lt"/>
+                <a:ea typeface="+mn-ea"/>
+                <a:cs typeface="+mn-cs"/>
+              </a:rPr>
+              <a:t> </a:t>
+            </a:r>
+            <a:r>
+              <a:rPr lang="en-HK" sz="1200" b="0" i="0" kern="1200" dirty="0">
+                <a:solidFill>
+                  <a:schemeClr val="tx1"/>
+                </a:solidFill>
+                <a:effectLst/>
+                <a:latin typeface="+mn-lt"/>
+                <a:ea typeface="+mn-ea"/>
+                <a:cs typeface="+mn-cs"/>
+              </a:rPr>
+              <a:t>is the random noise that our model is unable to capture. It is assumed that </a:t>
+            </a:r>
+            <a:r>
+              <a:rPr lang="el-GR" sz="1200" b="0" i="0" u="none" strike="noStrike" kern="1200" dirty="0">
+                <a:solidFill>
+                  <a:schemeClr val="tx1"/>
+                </a:solidFill>
+                <a:effectLst/>
+                <a:latin typeface="+mn-lt"/>
+                <a:ea typeface="+mn-ea"/>
+                <a:cs typeface="+mn-cs"/>
+              </a:rPr>
+              <a:t>ϵ∼</a:t>
+            </a:r>
+            <a:r>
+              <a:rPr lang="en-HK" sz="1200" b="0" i="0" u="none" strike="noStrike" kern="1200" dirty="0">
+                <a:solidFill>
+                  <a:schemeClr val="tx1"/>
+                </a:solidFill>
+                <a:effectLst/>
+                <a:latin typeface="+mn-lt"/>
+                <a:ea typeface="+mn-ea"/>
+                <a:cs typeface="+mn-cs"/>
+              </a:rPr>
+              <a:t>N(0,</a:t>
+            </a:r>
+            <a:r>
+              <a:rPr lang="el-GR" sz="1200" b="0" i="0" u="none" strike="noStrike" kern="1200" dirty="0">
+                <a:solidFill>
+                  <a:schemeClr val="tx1"/>
+                </a:solidFill>
+                <a:effectLst/>
+                <a:latin typeface="+mn-lt"/>
+                <a:ea typeface="+mn-ea"/>
+                <a:cs typeface="+mn-cs"/>
+              </a:rPr>
+              <a:t>σ2)</a:t>
+            </a:r>
+            <a:r>
+              <a:rPr lang="el-GR" sz="1200" b="0" i="0" kern="1200" dirty="0">
+                <a:solidFill>
+                  <a:schemeClr val="tx1"/>
+                </a:solidFill>
+                <a:effectLst/>
+                <a:latin typeface="+mn-lt"/>
+                <a:ea typeface="+mn-ea"/>
+                <a:cs typeface="+mn-cs"/>
+              </a:rPr>
+              <a:t>.</a:t>
+            </a:r>
+          </a:p>
+          <a:p>
+            <a:pPr rtl="0"/>
+            <a:r>
+              <a:rPr lang="en-HK" sz="1200" b="0" i="0" kern="1200" dirty="0">
+                <a:solidFill>
+                  <a:schemeClr val="tx1"/>
+                </a:solidFill>
+                <a:effectLst/>
+                <a:latin typeface="+mn-lt"/>
+                <a:ea typeface="+mn-ea"/>
+                <a:cs typeface="+mn-cs"/>
+              </a:rPr>
+              <a:t>Interpretation of the model is intuitive: an increase in one unit of </a:t>
+            </a:r>
+            <a:r>
+              <a:rPr lang="en-HK" sz="1200" b="0" i="0" u="none" strike="noStrike" kern="1200" dirty="0">
+                <a:solidFill>
+                  <a:schemeClr val="tx1"/>
+                </a:solidFill>
+                <a:effectLst/>
+                <a:latin typeface="+mn-lt"/>
+                <a:ea typeface="+mn-ea"/>
+                <a:cs typeface="+mn-cs"/>
+              </a:rPr>
+              <a:t>𝑥 </a:t>
+            </a:r>
+            <a:r>
+              <a:rPr lang="en-HK" sz="1200" b="0" i="0" kern="1200" dirty="0">
+                <a:solidFill>
+                  <a:schemeClr val="tx1"/>
+                </a:solidFill>
+                <a:effectLst/>
+                <a:latin typeface="+mn-lt"/>
+                <a:ea typeface="+mn-ea"/>
+                <a:cs typeface="+mn-cs"/>
+              </a:rPr>
+              <a:t>is expected to be associated with </a:t>
+            </a:r>
+            <a:r>
+              <a:rPr lang="en-HK" sz="1200" b="0" i="0" u="none" strike="noStrike" kern="1200" dirty="0">
+                <a:solidFill>
+                  <a:schemeClr val="tx1"/>
+                </a:solidFill>
+                <a:effectLst/>
+                <a:latin typeface="+mn-lt"/>
+                <a:ea typeface="+mn-ea"/>
+                <a:cs typeface="+mn-cs"/>
+              </a:rPr>
+              <a:t>𝛽1</a:t>
+            </a:r>
+            <a:r>
+              <a:rPr lang="el-GR" sz="1200" b="0" i="0" kern="1200" dirty="0">
+                <a:solidFill>
+                  <a:schemeClr val="tx1"/>
+                </a:solidFill>
+                <a:effectLst/>
+                <a:latin typeface="+mn-lt"/>
+                <a:ea typeface="+mn-ea"/>
+                <a:cs typeface="+mn-cs"/>
+              </a:rPr>
+              <a:t> </a:t>
+            </a:r>
+            <a:r>
+              <a:rPr lang="en-HK" sz="1200" b="0" i="0" kern="1200" dirty="0">
+                <a:solidFill>
+                  <a:schemeClr val="tx1"/>
+                </a:solidFill>
+                <a:effectLst/>
+                <a:latin typeface="+mn-lt"/>
+                <a:ea typeface="+mn-ea"/>
+                <a:cs typeface="+mn-cs"/>
+              </a:rPr>
+              <a:t>unit increase in </a:t>
+            </a:r>
+            <a:r>
+              <a:rPr lang="en-HK" sz="1200" b="0" i="0" u="none" strike="noStrike" kern="1200" dirty="0">
+                <a:solidFill>
+                  <a:schemeClr val="tx1"/>
+                </a:solidFill>
+                <a:effectLst/>
+                <a:latin typeface="+mn-lt"/>
+                <a:ea typeface="+mn-ea"/>
+                <a:cs typeface="+mn-cs"/>
+              </a:rPr>
+              <a:t>𝑦</a:t>
+            </a:r>
+            <a:r>
+              <a:rPr lang="en-HK" sz="1200" b="0" i="0" kern="1200" dirty="0">
+                <a:solidFill>
+                  <a:schemeClr val="tx1"/>
+                </a:solidFill>
+                <a:effectLst/>
+                <a:latin typeface="+mn-lt"/>
+                <a:ea typeface="+mn-ea"/>
+                <a:cs typeface="+mn-cs"/>
+              </a:rPr>
+              <a:t>.</a:t>
+            </a:r>
+          </a:p>
+          <a:p>
             <a:endParaRPr lang="en-US" dirty="0"/>
           </a:p>
         </p:txBody>
@@ -2309,7 +3340,7 @@
             <a:fld id="{AAAEC759-9F4B-2F46-8026-8930C476A54C}" type="slidenum">
               <a:rPr lang="en-US" altLang="en-US" smtClean="0"/>
               <a:pPr/>
-              <a:t>13</a:t>
+              <a:t>8</a:t>
             </a:fld>
             <a:endParaRPr lang="en-US" altLang="en-US"/>
           </a:p>
@@ -2318,7 +3349,7 @@
     </p:spTree>
     <p:extLst>
       <p:ext uri="{BB962C8B-B14F-4D97-AF65-F5344CB8AC3E}">
-        <p14:creationId xmlns:p14="http://schemas.microsoft.com/office/powerpoint/2010/main" val="2993494407"/>
+        <p14:creationId xmlns:p14="http://schemas.microsoft.com/office/powerpoint/2010/main" val="3176643675"/>
       </p:ext>
     </p:extLst>
   </p:cSld>
@@ -2372,10 +3403,7 @@
           <a:bodyPr/>
           <a:lstStyle/>
           <a:p>
-            <a:r>
-              <a:rPr lang="en-US" dirty="0"/>
-              <a:t>Performance is satisfactory.. But!</a:t>
-            </a:r>
+            <a:endParaRPr lang="en-US" dirty="0"/>
           </a:p>
         </p:txBody>
       </p:sp>
@@ -2397,7 +3425,7 @@
             <a:fld id="{AAAEC759-9F4B-2F46-8026-8930C476A54C}" type="slidenum">
               <a:rPr lang="en-US" altLang="en-US" smtClean="0"/>
               <a:pPr/>
-              <a:t>17</a:t>
+              <a:t>10</a:t>
             </a:fld>
             <a:endParaRPr lang="en-US" altLang="en-US"/>
           </a:p>
@@ -2406,7 +3434,7 @@
     </p:spTree>
     <p:extLst>
       <p:ext uri="{BB962C8B-B14F-4D97-AF65-F5344CB8AC3E}">
-        <p14:creationId xmlns:p14="http://schemas.microsoft.com/office/powerpoint/2010/main" val="3423512585"/>
+        <p14:creationId xmlns:p14="http://schemas.microsoft.com/office/powerpoint/2010/main" val="2594145446"/>
       </p:ext>
     </p:extLst>
   </p:cSld>
@@ -3906,13 +4934,13 @@
           <p:nvPr/>
         </p:nvPicPr>
         <p:blipFill>
-          <a:blip r:embed="rId2">
+          <a:blip r:embed="rId3">
             <a:extLst>
               <a:ext uri="{28A0092B-C50C-407E-A947-70E740481C1C}">
                 <a14:useLocalDpi xmlns:a14="http://schemas.microsoft.com/office/drawing/2010/main"/>
               </a:ext>
               <a:ext uri="{96DAC541-7B7A-43D3-8B79-37D633B846F1}">
-                <asvg:svgBlip xmlns:asvg="http://schemas.microsoft.com/office/drawing/2016/SVG/main" r:embed="rId3"/>
+                <asvg:svgBlip xmlns:asvg="http://schemas.microsoft.com/office/drawing/2016/SVG/main" r:embed="rId4"/>
               </a:ext>
             </a:extLst>
           </a:blip>
@@ -4090,7 +5118,7 @@
           <p:nvPr/>
         </p:nvPicPr>
         <p:blipFill>
-          <a:blip r:embed="rId2"/>
+          <a:blip r:embed="rId3"/>
           <a:stretch>
             <a:fillRect/>
           </a:stretch>
@@ -5786,6 +6814,123 @@
           </a:p>
         </p:txBody>
       </p:sp>
+      <p:sp>
+        <p:nvSpPr>
+          <p:cNvPr id="8" name="Oval 7">
+            <a:extLst>
+              <a:ext uri="{FF2B5EF4-FFF2-40B4-BE49-F238E27FC236}">
+                <a16:creationId xmlns:a16="http://schemas.microsoft.com/office/drawing/2014/main" id="{4A3844B4-1581-0B47-93A4-B33D7347256D}"/>
+              </a:ext>
+            </a:extLst>
+          </p:cNvPr>
+          <p:cNvSpPr/>
+          <p:nvPr/>
+        </p:nvSpPr>
+        <p:spPr>
+          <a:xfrm>
+            <a:off x="4391980" y="5021673"/>
+            <a:ext cx="360040" cy="541541"/>
+          </a:xfrm>
+          <a:prstGeom prst="ellipse">
+            <a:avLst/>
+          </a:prstGeom>
+          <a:noFill/>
+          <a:ln>
+            <a:solidFill>
+              <a:srgbClr val="FF0000"/>
+            </a:solidFill>
+          </a:ln>
+        </p:spPr>
+        <p:style>
+          <a:lnRef idx="2">
+            <a:schemeClr val="accent1">
+              <a:shade val="50000"/>
+            </a:schemeClr>
+          </a:lnRef>
+          <a:fillRef idx="1">
+            <a:schemeClr val="accent1"/>
+          </a:fillRef>
+          <a:effectRef idx="0">
+            <a:schemeClr val="accent1"/>
+          </a:effectRef>
+          <a:fontRef idx="minor">
+            <a:schemeClr val="lt1"/>
+          </a:fontRef>
+        </p:style>
+        <p:txBody>
+          <a:bodyPr rtlCol="0" anchor="ctr"/>
+          <a:lstStyle/>
+          <a:p>
+            <a:pPr algn="ctr"/>
+            <a:endParaRPr lang="en-US"/>
+          </a:p>
+        </p:txBody>
+      </p:sp>
+      <p:sp>
+        <p:nvSpPr>
+          <p:cNvPr id="10" name="Rounded Rectangular Callout 9">
+            <a:extLst>
+              <a:ext uri="{FF2B5EF4-FFF2-40B4-BE49-F238E27FC236}">
+                <a16:creationId xmlns:a16="http://schemas.microsoft.com/office/drawing/2014/main" id="{6A111FA9-658D-8249-995B-9E624EC76983}"/>
+              </a:ext>
+            </a:extLst>
+          </p:cNvPr>
+          <p:cNvSpPr/>
+          <p:nvPr/>
+        </p:nvSpPr>
+        <p:spPr>
+          <a:xfrm>
+            <a:off x="2915816" y="5880559"/>
+            <a:ext cx="3168352" cy="339677"/>
+          </a:xfrm>
+          <a:prstGeom prst="wedgeRoundRectCallout">
+            <a:avLst>
+              <a:gd name="adj1" fmla="val 18120"/>
+              <a:gd name="adj2" fmla="val -102504"/>
+              <a:gd name="adj3" fmla="val 16667"/>
+            </a:avLst>
+          </a:prstGeom>
+          <a:solidFill>
+            <a:schemeClr val="accent6">
+              <a:lumMod val="60000"/>
+              <a:lumOff val="40000"/>
+            </a:schemeClr>
+          </a:solidFill>
+          <a:ln>
+            <a:noFill/>
+          </a:ln>
+        </p:spPr>
+        <p:style>
+          <a:lnRef idx="2">
+            <a:schemeClr val="accent1">
+              <a:shade val="50000"/>
+            </a:schemeClr>
+          </a:lnRef>
+          <a:fillRef idx="1">
+            <a:schemeClr val="accent1"/>
+          </a:fillRef>
+          <a:effectRef idx="0">
+            <a:schemeClr val="accent1"/>
+          </a:effectRef>
+          <a:fontRef idx="minor">
+            <a:schemeClr val="lt1"/>
+          </a:fontRef>
+        </p:style>
+        <p:txBody>
+          <a:bodyPr rtlCol="0" anchor="ctr"/>
+          <a:lstStyle/>
+          <a:p>
+            <a:pPr algn="ctr"/>
+            <a:r>
+              <a:rPr lang="en-US" sz="2000" dirty="0">
+                <a:latin typeface="Calibri Light" panose="020F0302020204030204" pitchFamily="34" charset="0"/>
+                <a:cs typeface="Calibri Light" panose="020F0302020204030204" pitchFamily="34" charset="0"/>
+              </a:rPr>
+              <a:t>For math convenience only.</a:t>
+            </a:r>
+          </a:p>
+        </p:txBody>
+      </p:sp>
     </p:spTree>
     <p:extLst>
       <p:ext uri="{BB962C8B-B14F-4D97-AF65-F5344CB8AC3E}">
@@ -5921,6 +7066,78 @@
                       </p:childTnLst>
                     </p:cTn>
                   </p:par>
+                  <p:par>
+                    <p:cTn id="13" fill="hold">
+                      <p:stCondLst>
+                        <p:cond delay="indefinite"/>
+                      </p:stCondLst>
+                      <p:childTnLst>
+                        <p:par>
+                          <p:cTn id="14" fill="hold">
+                            <p:stCondLst>
+                              <p:cond delay="0"/>
+                            </p:stCondLst>
+                            <p:childTnLst>
+                              <p:par>
+                                <p:cTn id="15" presetID="1" presetClass="entr" presetSubtype="0" fill="hold" grpId="0" nodeType="clickEffect">
+                                  <p:stCondLst>
+                                    <p:cond delay="0"/>
+                                  </p:stCondLst>
+                                  <p:childTnLst>
+                                    <p:set>
+                                      <p:cBhvr>
+                                        <p:cTn id="16" dur="1" fill="hold">
+                                          <p:stCondLst>
+                                            <p:cond delay="0"/>
+                                          </p:stCondLst>
+                                        </p:cTn>
+                                        <p:tgtEl>
+                                          <p:spTgt spid="8"/>
+                                        </p:tgtEl>
+                                        <p:attrNameLst>
+                                          <p:attrName>style.visibility</p:attrName>
+                                        </p:attrNameLst>
+                                      </p:cBhvr>
+                                      <p:to>
+                                        <p:strVal val="visible"/>
+                                      </p:to>
+                                    </p:set>
+                                  </p:childTnLst>
+                                </p:cTn>
+                              </p:par>
+                              <p:par>
+                                <p:cTn id="17" presetID="1" presetClass="entr" presetSubtype="0" fill="hold" grpId="0" nodeType="withEffect">
+                                  <p:stCondLst>
+                                    <p:cond delay="0"/>
+                                  </p:stCondLst>
+                                  <p:childTnLst>
+                                    <p:set>
+                                      <p:cBhvr>
+                                        <p:cTn id="18" dur="1" fill="hold">
+                                          <p:stCondLst>
+                                            <p:cond delay="0"/>
+                                          </p:stCondLst>
+                                        </p:cTn>
+                                        <p:tgtEl>
+                                          <p:spTgt spid="10"/>
+                                        </p:tgtEl>
+                                        <p:attrNameLst>
+                                          <p:attrName>style.visibility</p:attrName>
+                                        </p:attrNameLst>
+                                      </p:cBhvr>
+                                      <p:to>
+                                        <p:strVal val="visible"/>
+                                      </p:to>
+                                    </p:set>
+                                  </p:childTnLst>
+                                </p:cTn>
+                              </p:par>
+                            </p:childTnLst>
+                          </p:cTn>
+                        </p:par>
+                      </p:childTnLst>
+                    </p:cTn>
+                  </p:par>
                 </p:childTnLst>
               </p:cTn>
               <p:prevCondLst>
@@ -5944,6 +7161,8 @@
     </p:tnLst>
     <p:bldLst>
       <p:bldP spid="9" grpId="0" animBg="1"/>
+      <p:bldP spid="8" grpId="0" animBg="1"/>
+      <p:bldP spid="10" grpId="0" animBg="1"/>
     </p:bldLst>
   </p:timing>
 </p:sld>
@@ -7527,7 +8746,7 @@
           </p:nvPr>
         </p:nvPicPr>
         <p:blipFill>
-          <a:blip r:embed="rId2"/>
+          <a:blip r:embed="rId3"/>
           <a:stretch>
             <a:fillRect/>
           </a:stretch>
@@ -7557,7 +8776,7 @@
           <p:nvPr/>
         </p:nvPicPr>
         <p:blipFill>
-          <a:blip r:embed="rId3" cstate="screen">
+          <a:blip r:embed="rId4" cstate="screen">
             <a:extLst>
               <a:ext uri="{28A0092B-C50C-407E-A947-70E740481C1C}">
                 <a14:useLocalDpi xmlns:a14="http://schemas.microsoft.com/office/drawing/2010/main"/>
@@ -11612,6 +12831,84 @@
           </a:prstGeom>
         </p:spPr>
       </p:pic>
+      <p:sp>
+        <p:nvSpPr>
+          <p:cNvPr id="13" name="Rounded Rectangular Callout 12">
+            <a:extLst>
+              <a:ext uri="{FF2B5EF4-FFF2-40B4-BE49-F238E27FC236}">
+                <a16:creationId xmlns:a16="http://schemas.microsoft.com/office/drawing/2014/main" id="{67757BDE-97F1-0D49-829C-3EB05E9F6C55}"/>
+              </a:ext>
+            </a:extLst>
+          </p:cNvPr>
+          <p:cNvSpPr/>
+          <p:nvPr/>
+        </p:nvSpPr>
+        <p:spPr>
+          <a:xfrm>
+            <a:off x="1863206" y="5013176"/>
+            <a:ext cx="4941041" cy="1030561"/>
+          </a:xfrm>
+          <a:prstGeom prst="wedgeRoundRectCallout">
+            <a:avLst>
+              <a:gd name="adj1" fmla="val 26721"/>
+              <a:gd name="adj2" fmla="val -102183"/>
+              <a:gd name="adj3" fmla="val 16667"/>
+            </a:avLst>
+          </a:prstGeom>
+          <a:solidFill>
+            <a:schemeClr val="accent6">
+              <a:lumMod val="60000"/>
+              <a:lumOff val="40000"/>
+            </a:schemeClr>
+          </a:solidFill>
+          <a:ln>
+            <a:noFill/>
+          </a:ln>
+        </p:spPr>
+        <p:style>
+          <a:lnRef idx="2">
+            <a:schemeClr val="accent1">
+              <a:shade val="50000"/>
+            </a:schemeClr>
+          </a:lnRef>
+          <a:fillRef idx="1">
+            <a:schemeClr val="accent1"/>
+          </a:fillRef>
+          <a:effectRef idx="0">
+            <a:schemeClr val="accent1"/>
+          </a:effectRef>
+          <a:fontRef idx="minor">
+            <a:schemeClr val="lt1"/>
+          </a:fontRef>
+        </p:style>
+        <p:txBody>
+          <a:bodyPr rtlCol="0" anchor="ctr"/>
+          <a:lstStyle/>
+          <a:p>
+            <a:r>
+              <a:rPr lang="en-US" sz="2000" dirty="0">
+                <a:latin typeface="Calibri Light" panose="020F0302020204030204" pitchFamily="34" charset="0"/>
+                <a:cs typeface="Calibri Light" panose="020F0302020204030204" pitchFamily="34" charset="0"/>
+              </a:rPr>
+              <a:t>See notebook for the comparison on the estimated parameters between </a:t>
+            </a:r>
+            <a:r>
+              <a:rPr lang="en-US" sz="2000" dirty="0" err="1">
+                <a:latin typeface="Calibri Light" panose="020F0302020204030204" pitchFamily="34" charset="0"/>
+                <a:cs typeface="Calibri Light" panose="020F0302020204030204" pitchFamily="34" charset="0"/>
+              </a:rPr>
+              <a:t>sklearn’s</a:t>
+            </a:r>
+            <a:r>
+              <a:rPr lang="en-US" sz="2000" dirty="0">
+                <a:latin typeface="Calibri Light" panose="020F0302020204030204" pitchFamily="34" charset="0"/>
+                <a:cs typeface="Calibri Light" panose="020F0302020204030204" pitchFamily="34" charset="0"/>
+              </a:rPr>
+              <a:t> output and our manual computation  </a:t>
+            </a:r>
+          </a:p>
+        </p:txBody>
+      </p:sp>
     </p:spTree>
     <p:extLst>
       <p:ext uri="{BB962C8B-B14F-4D97-AF65-F5344CB8AC3E}">
@@ -11622,6 +12919,84 @@
   <p:clrMapOvr>
     <a:masterClrMapping/>
   </p:clrMapOvr>
+  <p:timing>
+    <p:tnLst>
+      <p:par>
+        <p:cTn id="1" dur="indefinite" restart="never" nodeType="tmRoot">
+          <p:childTnLst>
+            <p:seq concurrent="1" nextAc="seek">
+              <p:cTn id="2" dur="indefinite" nodeType="mainSeq">
+                <p:childTnLst>
+                  <p:par>
+                    <p:cTn id="3" fill="hold">
+                      <p:stCondLst>
+                        <p:cond delay="indefinite"/>
+                      </p:stCondLst>
+                      <p:childTnLst>
+                        <p:par>
+                          <p:cTn id="4" fill="hold">
+                            <p:stCondLst>
+                              <p:cond delay="0"/>
+                            </p:stCondLst>
+                            <p:childTnLst>
+                              <p:par>
+                                <p:cTn id="5" presetID="1" presetClass="entr" presetSubtype="0" fill="hold" grpId="0" nodeType="clickEffect">
+                                  <p:stCondLst>
+                                    <p:cond delay="0"/>
+                                  </p:stCondLst>
+                                  <p:childTnLst>
+                                    <p:set>
+                                      <p:cBhvr>
+                                        <p:cTn id="6" dur="1" fill="hold">
+                                          <p:stCondLst>
+                                            <p:cond delay="0"/>
+                                          </p:stCondLst>
+                                        </p:cTn>
+                                        <p:tgtEl>
+                                          <p:spTgt spid="13"/>
+                                        </p:tgtEl>
+                                        <p:attrNameLst>
+                                          <p:attrName>style.visibility</p:attrName>
+                                        </p:attrNameLst>
+                                      </p:cBhvr>
+                                      <p:to>
+                                        <p:strVal val="visible"/>
+                                      </p:to>
+                                    </p:set>
+                                  </p:childTnLst>
+                                </p:cTn>
+                              </p:par>
+                            </p:childTnLst>
+                          </p:cTn>
+                        </p:par>
+                      </p:childTnLst>
+                    </p:cTn>
+                  </p:par>
+                </p:childTnLst>
+              </p:cTn>
+              <p:prevCondLst>
+                <p:cond evt="onPrev" delay="0">
+                  <p:tgtEl>
+                    <p:sldTgt/>
+                  </p:tgtEl>
+                </p:cond>
+              </p:prevCondLst>
+              <p:nextCondLst>
+                <p:cond evt="onNext" delay="0">
+                  <p:tgtEl>
+                    <p:sldTgt/>
+                  </p:tgtEl>
+                </p:cond>
+              </p:nextCondLst>
+            </p:seq>
+          </p:childTnLst>
+        </p:cTn>
+      </p:par>
+    </p:tnLst>
+    <p:bldLst>
+      <p:bldP spid="13" grpId="0" animBg="1"/>
+    </p:bldLst>
+  </p:timing>
 </p:sld>
 </file>
 
@@ -22077,7 +23452,7 @@
           <p:nvPr/>
         </p:nvPicPr>
         <p:blipFill>
-          <a:blip r:embed="rId2"/>
+          <a:blip r:embed="rId3"/>
           <a:stretch>
             <a:fillRect/>
           </a:stretch>

--- a/Week-6-Regresion/IS6400 Week 6.pptx
+++ b/Week-6-Regresion/IS6400 Week 6.pptx
@@ -339,7 +339,7 @@
               <a:pPr>
                 <a:defRPr/>
               </a:pPr>
-              <a:t>2022/3/5</a:t>
+              <a:t>2022/3/7</a:t>
             </a:fld>
             <a:endParaRPr lang="zh-TW" altLang="en-US"/>
           </a:p>
@@ -580,7 +580,7 @@
               <a:pPr>
                 <a:defRPr/>
               </a:pPr>
-              <a:t>3/5/22</a:t>
+              <a:t>3/7/22</a:t>
             </a:fld>
             <a:endParaRPr lang="en-US" dirty="0"/>
           </a:p>
